--- a/finagle/finagle-stack.pptx
+++ b/finagle/finagle-stack.pptx
@@ -5,11 +5,13 @@
     <p:sldMasterId id="2147483648" r:id="rId1"/>
   </p:sldMasterIdLst>
   <p:notesMasterIdLst>
-    <p:notesMasterId r:id="rId4"/>
+    <p:notesMasterId r:id="rId6"/>
   </p:notesMasterIdLst>
   <p:sldIdLst>
     <p:sldId id="257" r:id="rId2"/>
     <p:sldId id="256" r:id="rId3"/>
+    <p:sldId id="258" r:id="rId4"/>
+    <p:sldId id="259" r:id="rId5"/>
   </p:sldIdLst>
   <p:sldSz cx="12192000" cy="6858000"/>
   <p:notesSz cx="6858000" cy="9144000"/>
@@ -108,6 +110,11 @@
       </a:defRPr>
     </a:lvl9pPr>
   </p:defaultTextStyle>
+  <p:extLst>
+    <p:ext uri="{EFAFB233-063F-42B5-8137-9DF3F51BA10A}">
+      <p15:sldGuideLst xmlns:p15="http://schemas.microsoft.com/office/powerpoint/2012/main"/>
+    </p:ext>
+  </p:extLst>
 </p:presentation>
 </file>
 
@@ -193,7 +200,7 @@
           <a:p>
             <a:fld id="{0F4EF407-B45C-48C1-B6B3-104537FC0D6D}" type="datetimeFigureOut">
               <a:rPr lang="zh-CN" altLang="en-US" smtClean="0"/>
-              <a:t>2020/8/16</a:t>
+              <a:t>2020/9/12</a:t>
             </a:fld>
             <a:endParaRPr lang="zh-CN" altLang="en-US"/>
           </a:p>
@@ -682,6 +689,119 @@
 </p:notes>
 </file>
 
+<file path=ppt/notesSlides/notesSlide3.xml><?xml version="1.0" encoding="utf-8"?>
+<p:notes xmlns:a="http://schemas.openxmlformats.org/drawingml/2006/main" xmlns:r="http://schemas.openxmlformats.org/officeDocument/2006/relationships" xmlns:p="http://schemas.openxmlformats.org/presentationml/2006/main">
+  <p:cSld>
+    <p:spTree>
+      <p:nvGrpSpPr>
+        <p:cNvPr id="1" name=""/>
+        <p:cNvGrpSpPr/>
+        <p:nvPr/>
+      </p:nvGrpSpPr>
+      <p:grpSpPr>
+        <a:xfrm>
+          <a:off x="0" y="0"/>
+          <a:ext cx="0" cy="0"/>
+          <a:chOff x="0" y="0"/>
+          <a:chExt cx="0" cy="0"/>
+        </a:xfrm>
+      </p:grpSpPr>
+      <p:sp>
+        <p:nvSpPr>
+          <p:cNvPr id="2" name="幻灯片图像占位符 1"/>
+          <p:cNvSpPr>
+            <a:spLocks noGrp="1" noRot="1" noChangeAspect="1"/>
+          </p:cNvSpPr>
+          <p:nvPr>
+            <p:ph type="sldImg"/>
+          </p:nvPr>
+        </p:nvSpPr>
+        <p:spPr/>
+      </p:sp>
+      <p:sp>
+        <p:nvSpPr>
+          <p:cNvPr id="3" name="备注占位符 2"/>
+          <p:cNvSpPr>
+            <a:spLocks noGrp="1"/>
+          </p:cNvSpPr>
+          <p:nvPr>
+            <p:ph type="body" idx="1"/>
+          </p:nvPr>
+        </p:nvSpPr>
+        <p:spPr/>
+        <p:txBody>
+          <a:bodyPr/>
+          <a:lstStyle/>
+          <a:p>
+            <a:pPr marL="0" marR="0" lvl="0" indent="0" algn="l" defTabSz="914400" rtl="0" eaLnBrk="0" fontAlgn="base" latinLnBrk="0" hangingPunct="0">
+              <a:lnSpc>
+                <a:spcPct val="100000"/>
+              </a:lnSpc>
+              <a:spcBef>
+                <a:spcPct val="0"/>
+              </a:spcBef>
+              <a:spcAft>
+                <a:spcPct val="0"/>
+              </a:spcAft>
+              <a:buClrTx/>
+              <a:buSzTx/>
+              <a:buFontTx/>
+              <a:buNone/>
+              <a:tabLst/>
+            </a:pPr>
+            <a:r>
+              <a:rPr lang="en-US" altLang="zh-CN" sz="4800" dirty="0" err="1"/>
+              <a:t>DtabStatsFilter</a:t>
+            </a:r>
+            <a:endParaRPr kumimoji="0" lang="zh-CN" altLang="zh-CN" sz="1600" b="0" i="0" u="none" strike="noStrike" cap="none" normalizeH="0" baseline="0" dirty="0">
+              <a:ln>
+                <a:noFill/>
+              </a:ln>
+              <a:solidFill>
+                <a:schemeClr val="tx1"/>
+              </a:solidFill>
+              <a:effectLst/>
+              <a:latin typeface="Arial" panose="020B0604020202020204" pitchFamily="34" charset="0"/>
+            </a:endParaRPr>
+          </a:p>
+        </p:txBody>
+      </p:sp>
+      <p:sp>
+        <p:nvSpPr>
+          <p:cNvPr id="4" name="灯片编号占位符 3"/>
+          <p:cNvSpPr>
+            <a:spLocks noGrp="1"/>
+          </p:cNvSpPr>
+          <p:nvPr>
+            <p:ph type="sldNum" sz="quarter" idx="5"/>
+          </p:nvPr>
+        </p:nvSpPr>
+        <p:spPr/>
+        <p:txBody>
+          <a:bodyPr/>
+          <a:lstStyle/>
+          <a:p>
+            <a:fld id="{C4FAD5F1-3003-474A-B156-F8B19C006F18}" type="slidenum">
+              <a:rPr lang="zh-CN" altLang="en-US" smtClean="0"/>
+              <a:t>3</a:t>
+            </a:fld>
+            <a:endParaRPr lang="zh-CN" altLang="en-US"/>
+          </a:p>
+        </p:txBody>
+      </p:sp>
+    </p:spTree>
+    <p:extLst>
+      <p:ext uri="{BB962C8B-B14F-4D97-AF65-F5344CB8AC3E}">
+        <p14:creationId xmlns:p14="http://schemas.microsoft.com/office/powerpoint/2010/main" val="774322867"/>
+      </p:ext>
+    </p:extLst>
+  </p:cSld>
+  <p:clrMapOvr>
+    <a:masterClrMapping/>
+  </p:clrMapOvr>
+</p:notes>
+</file>
+
 <file path=ppt/slideLayouts/slideLayout1.xml><?xml version="1.0" encoding="utf-8"?>
 <p:sldLayout xmlns:a="http://schemas.openxmlformats.org/drawingml/2006/main" xmlns:r="http://schemas.openxmlformats.org/officeDocument/2006/relationships" xmlns:p="http://schemas.openxmlformats.org/presentationml/2006/main" type="title" preserve="1">
   <p:cSld name="标题幻灯片">
@@ -829,7 +949,7 @@
           <a:p>
             <a:fld id="{55D20EE4-2D75-4B15-A17F-AECD7BF716B8}" type="datetimeFigureOut">
               <a:rPr lang="zh-CN" altLang="en-US" smtClean="0"/>
-              <a:t>2020/8/16</a:t>
+              <a:t>2020/9/12</a:t>
             </a:fld>
             <a:endParaRPr lang="zh-CN" altLang="en-US"/>
           </a:p>
@@ -1027,7 +1147,7 @@
           <a:p>
             <a:fld id="{55D20EE4-2D75-4B15-A17F-AECD7BF716B8}" type="datetimeFigureOut">
               <a:rPr lang="zh-CN" altLang="en-US" smtClean="0"/>
-              <a:t>2020/8/16</a:t>
+              <a:t>2020/9/12</a:t>
             </a:fld>
             <a:endParaRPr lang="zh-CN" altLang="en-US"/>
           </a:p>
@@ -1235,7 +1355,7 @@
           <a:p>
             <a:fld id="{55D20EE4-2D75-4B15-A17F-AECD7BF716B8}" type="datetimeFigureOut">
               <a:rPr lang="zh-CN" altLang="en-US" smtClean="0"/>
-              <a:t>2020/8/16</a:t>
+              <a:t>2020/9/12</a:t>
             </a:fld>
             <a:endParaRPr lang="zh-CN" altLang="en-US"/>
           </a:p>
@@ -1433,7 +1553,7 @@
           <a:p>
             <a:fld id="{55D20EE4-2D75-4B15-A17F-AECD7BF716B8}" type="datetimeFigureOut">
               <a:rPr lang="zh-CN" altLang="en-US" smtClean="0"/>
-              <a:t>2020/8/16</a:t>
+              <a:t>2020/9/12</a:t>
             </a:fld>
             <a:endParaRPr lang="zh-CN" altLang="en-US"/>
           </a:p>
@@ -1708,7 +1828,7 @@
           <a:p>
             <a:fld id="{55D20EE4-2D75-4B15-A17F-AECD7BF716B8}" type="datetimeFigureOut">
               <a:rPr lang="zh-CN" altLang="en-US" smtClean="0"/>
-              <a:t>2020/8/16</a:t>
+              <a:t>2020/9/12</a:t>
             </a:fld>
             <a:endParaRPr lang="zh-CN" altLang="en-US"/>
           </a:p>
@@ -1973,7 +2093,7 @@
           <a:p>
             <a:fld id="{55D20EE4-2D75-4B15-A17F-AECD7BF716B8}" type="datetimeFigureOut">
               <a:rPr lang="zh-CN" altLang="en-US" smtClean="0"/>
-              <a:t>2020/8/16</a:t>
+              <a:t>2020/9/12</a:t>
             </a:fld>
             <a:endParaRPr lang="zh-CN" altLang="en-US"/>
           </a:p>
@@ -2385,7 +2505,7 @@
           <a:p>
             <a:fld id="{55D20EE4-2D75-4B15-A17F-AECD7BF716B8}" type="datetimeFigureOut">
               <a:rPr lang="zh-CN" altLang="en-US" smtClean="0"/>
-              <a:t>2020/8/16</a:t>
+              <a:t>2020/9/12</a:t>
             </a:fld>
             <a:endParaRPr lang="zh-CN" altLang="en-US"/>
           </a:p>
@@ -2526,7 +2646,7 @@
           <a:p>
             <a:fld id="{55D20EE4-2D75-4B15-A17F-AECD7BF716B8}" type="datetimeFigureOut">
               <a:rPr lang="zh-CN" altLang="en-US" smtClean="0"/>
-              <a:t>2020/8/16</a:t>
+              <a:t>2020/9/12</a:t>
             </a:fld>
             <a:endParaRPr lang="zh-CN" altLang="en-US"/>
           </a:p>
@@ -2639,7 +2759,7 @@
           <a:p>
             <a:fld id="{55D20EE4-2D75-4B15-A17F-AECD7BF716B8}" type="datetimeFigureOut">
               <a:rPr lang="zh-CN" altLang="en-US" smtClean="0"/>
-              <a:t>2020/8/16</a:t>
+              <a:t>2020/9/12</a:t>
             </a:fld>
             <a:endParaRPr lang="zh-CN" altLang="en-US"/>
           </a:p>
@@ -2950,7 +3070,7 @@
           <a:p>
             <a:fld id="{55D20EE4-2D75-4B15-A17F-AECD7BF716B8}" type="datetimeFigureOut">
               <a:rPr lang="zh-CN" altLang="en-US" smtClean="0"/>
-              <a:t>2020/8/16</a:t>
+              <a:t>2020/9/12</a:t>
             </a:fld>
             <a:endParaRPr lang="zh-CN" altLang="en-US"/>
           </a:p>
@@ -3238,7 +3358,7 @@
           <a:p>
             <a:fld id="{55D20EE4-2D75-4B15-A17F-AECD7BF716B8}" type="datetimeFigureOut">
               <a:rPr lang="zh-CN" altLang="en-US" smtClean="0"/>
-              <a:t>2020/8/16</a:t>
+              <a:t>2020/9/12</a:t>
             </a:fld>
             <a:endParaRPr lang="zh-CN" altLang="en-US"/>
           </a:p>
@@ -3479,7 +3599,7 @@
           <a:p>
             <a:fld id="{55D20EE4-2D75-4B15-A17F-AECD7BF716B8}" type="datetimeFigureOut">
               <a:rPr lang="zh-CN" altLang="en-US" smtClean="0"/>
-              <a:t>2020/8/16</a:t>
+              <a:t>2020/9/12</a:t>
             </a:fld>
             <a:endParaRPr lang="zh-CN" altLang="en-US"/>
           </a:p>
@@ -9512,9 +9632,9 @@
         <p:grpSpPr>
           <a:xfrm>
             <a:off x="6466297" y="2902835"/>
-            <a:ext cx="4981743" cy="461665"/>
+            <a:ext cx="5592488" cy="461665"/>
             <a:chOff x="1282045" y="5188612"/>
-            <a:chExt cx="4981743" cy="461665"/>
+            <a:chExt cx="5592488" cy="461665"/>
           </a:xfrm>
         </p:grpSpPr>
         <p:sp>
@@ -9584,7 +9704,7 @@
           <p:spPr>
             <a:xfrm>
               <a:off x="2818614" y="5188612"/>
-              <a:ext cx="3445174" cy="461665"/>
+              <a:ext cx="4055919" cy="461665"/>
             </a:xfrm>
             <a:prstGeom prst="rect">
               <a:avLst/>
@@ -9679,7 +9799,21 @@
                   <a:latin typeface="Microsoft YaHei Light" panose="020B0502040204020203" pitchFamily="34" charset="-122"/>
                   <a:ea typeface="Microsoft YaHei Light" panose="020B0502040204020203" pitchFamily="34" charset="-122"/>
                 </a:rPr>
-                <a:t>改变生命周期，返回</a:t>
+                <a:t>改变</a:t>
+              </a:r>
+              <a:r>
+                <a:rPr lang="en-US" altLang="zh-CN" sz="1200" dirty="0">
+                  <a:latin typeface="Microsoft YaHei Light" panose="020B0502040204020203" pitchFamily="34" charset="-122"/>
+                  <a:ea typeface="Microsoft YaHei Light" panose="020B0502040204020203" pitchFamily="34" charset="-122"/>
+                </a:rPr>
+                <a:t>session</a:t>
+              </a:r>
+              <a:r>
+                <a:rPr lang="zh-CN" altLang="en-US" sz="1200" dirty="0">
+                  <a:latin typeface="Microsoft YaHei Light" panose="020B0502040204020203" pitchFamily="34" charset="-122"/>
+                  <a:ea typeface="Microsoft YaHei Light" panose="020B0502040204020203" pitchFamily="34" charset="-122"/>
+                </a:rPr>
+                <a:t>对外对内生命周期，返回</a:t>
               </a:r>
               <a:r>
                 <a:rPr lang="en-US" altLang="zh-CN" sz="1200" dirty="0">
@@ -11879,6 +12013,3143 @@
     <p:extLst>
       <p:ext uri="{BB962C8B-B14F-4D97-AF65-F5344CB8AC3E}">
         <p14:creationId xmlns:p14="http://schemas.microsoft.com/office/powerpoint/2010/main" val="3838345629"/>
+      </p:ext>
+    </p:extLst>
+  </p:cSld>
+  <p:clrMapOvr>
+    <a:masterClrMapping/>
+  </p:clrMapOvr>
+</p:sld>
+</file>
+
+<file path=ppt/slides/slide3.xml><?xml version="1.0" encoding="utf-8"?>
+<p:sld xmlns:a="http://schemas.openxmlformats.org/drawingml/2006/main" xmlns:r="http://schemas.openxmlformats.org/officeDocument/2006/relationships" xmlns:p="http://schemas.openxmlformats.org/presentationml/2006/main">
+  <p:cSld>
+    <p:spTree>
+      <p:nvGrpSpPr>
+        <p:cNvPr id="1" name=""/>
+        <p:cNvGrpSpPr/>
+        <p:nvPr/>
+      </p:nvGrpSpPr>
+      <p:grpSpPr>
+        <a:xfrm>
+          <a:off x="0" y="0"/>
+          <a:ext cx="0" cy="0"/>
+          <a:chOff x="0" y="0"/>
+          <a:chExt cx="0" cy="0"/>
+        </a:xfrm>
+      </p:grpSpPr>
+      <p:grpSp>
+        <p:nvGrpSpPr>
+          <p:cNvPr id="10" name="组合 9">
+            <a:extLst>
+              <a:ext uri="{FF2B5EF4-FFF2-40B4-BE49-F238E27FC236}">
+                <a16:creationId xmlns:a16="http://schemas.microsoft.com/office/drawing/2014/main" id="{8A03968E-75DB-4800-BF2D-FDCA501BF3C9}"/>
+              </a:ext>
+            </a:extLst>
+          </p:cNvPr>
+          <p:cNvGrpSpPr/>
+          <p:nvPr/>
+        </p:nvGrpSpPr>
+        <p:grpSpPr>
+          <a:xfrm>
+            <a:off x="7278453" y="5748298"/>
+            <a:ext cx="2848147" cy="277000"/>
+            <a:chOff x="1282045" y="5188612"/>
+            <a:chExt cx="2848147" cy="277000"/>
+          </a:xfrm>
+        </p:grpSpPr>
+        <p:sp>
+          <p:nvSpPr>
+            <p:cNvPr id="8" name="文本框 7">
+              <a:extLst>
+                <a:ext uri="{FF2B5EF4-FFF2-40B4-BE49-F238E27FC236}">
+                  <a16:creationId xmlns:a16="http://schemas.microsoft.com/office/drawing/2014/main" id="{53958865-A8C6-4C4C-BB91-F5E7A4F88099}"/>
+                </a:ext>
+              </a:extLst>
+            </p:cNvPr>
+            <p:cNvSpPr txBox="1"/>
+            <p:nvPr/>
+          </p:nvSpPr>
+          <p:spPr>
+            <a:xfrm>
+              <a:off x="1282045" y="5188613"/>
+              <a:ext cx="1286279" cy="276999"/>
+            </a:xfrm>
+            <a:prstGeom prst="rect">
+              <a:avLst/>
+            </a:prstGeom>
+            <a:solidFill>
+              <a:schemeClr val="accent2"/>
+            </a:solidFill>
+          </p:spPr>
+          <p:txBody>
+            <a:bodyPr wrap="square" rtlCol="0">
+              <a:spAutoFit/>
+            </a:bodyPr>
+            <a:lstStyle/>
+            <a:p>
+              <a:r>
+                <a:rPr lang="en-US" altLang="zh-CN" sz="1200" dirty="0" err="1">
+                  <a:latin typeface="Microsoft YaHei Light" panose="020B0502040204020203" pitchFamily="34" charset="-122"/>
+                  <a:ea typeface="Microsoft YaHei Light" panose="020B0502040204020203" pitchFamily="34" charset="-122"/>
+                </a:rPr>
+                <a:t>OffloadFilter</a:t>
+              </a:r>
+              <a:endParaRPr kumimoji="0" lang="zh-CN" altLang="zh-CN" sz="1200" b="0" i="0" u="none" strike="noStrike" cap="none" normalizeH="0" baseline="0" dirty="0">
+                <a:ln>
+                  <a:noFill/>
+                </a:ln>
+                <a:effectLst/>
+                <a:latin typeface="Microsoft YaHei Light" panose="020B0502040204020203" pitchFamily="34" charset="-122"/>
+                <a:ea typeface="Microsoft YaHei Light" panose="020B0502040204020203" pitchFamily="34" charset="-122"/>
+              </a:endParaRPr>
+            </a:p>
+          </p:txBody>
+        </p:sp>
+        <p:sp>
+          <p:nvSpPr>
+            <p:cNvPr id="9" name="文本框 8">
+              <a:extLst>
+                <a:ext uri="{FF2B5EF4-FFF2-40B4-BE49-F238E27FC236}">
+                  <a16:creationId xmlns:a16="http://schemas.microsoft.com/office/drawing/2014/main" id="{30BC0A55-0FDB-4912-977D-2A9E592F2C04}"/>
+                </a:ext>
+              </a:extLst>
+            </p:cNvPr>
+            <p:cNvSpPr txBox="1"/>
+            <p:nvPr/>
+          </p:nvSpPr>
+          <p:spPr>
+            <a:xfrm>
+              <a:off x="2818614" y="5188612"/>
+              <a:ext cx="1311578" cy="276999"/>
+            </a:xfrm>
+            <a:prstGeom prst="rect">
+              <a:avLst/>
+            </a:prstGeom>
+            <a:noFill/>
+          </p:spPr>
+          <p:txBody>
+            <a:bodyPr wrap="none" rtlCol="0">
+              <a:spAutoFit/>
+            </a:bodyPr>
+            <a:lstStyle/>
+            <a:p>
+              <a:r>
+                <a:rPr kumimoji="0" lang="en-US" altLang="zh-CN" sz="1200" b="0" i="0" u="none" strike="noStrike" cap="none" normalizeH="0" baseline="0" dirty="0">
+                  <a:ln>
+                    <a:noFill/>
+                  </a:ln>
+                  <a:effectLst/>
+                  <a:latin typeface="Microsoft YaHei Light" panose="020B0502040204020203" pitchFamily="34" charset="-122"/>
+                  <a:ea typeface="Microsoft YaHei Light" panose="020B0502040204020203" pitchFamily="34" charset="-122"/>
+                </a:rPr>
+                <a:t>Session</a:t>
+              </a:r>
+              <a:r>
+                <a:rPr lang="zh-CN" altLang="en-US" sz="1200" dirty="0">
+                  <a:latin typeface="Microsoft YaHei Light" panose="020B0502040204020203" pitchFamily="34" charset="-122"/>
+                  <a:ea typeface="Microsoft YaHei Light" panose="020B0502040204020203" pitchFamily="34" charset="-122"/>
+                </a:rPr>
+                <a:t>负载卸载</a:t>
+              </a:r>
+            </a:p>
+          </p:txBody>
+        </p:sp>
+      </p:grpSp>
+      <p:grpSp>
+        <p:nvGrpSpPr>
+          <p:cNvPr id="11" name="组合 10">
+            <a:extLst>
+              <a:ext uri="{FF2B5EF4-FFF2-40B4-BE49-F238E27FC236}">
+                <a16:creationId xmlns:a16="http://schemas.microsoft.com/office/drawing/2014/main" id="{5357209A-FCA5-4AFC-9AC7-75BFBCB5072A}"/>
+              </a:ext>
+            </a:extLst>
+          </p:cNvPr>
+          <p:cNvGrpSpPr/>
+          <p:nvPr/>
+        </p:nvGrpSpPr>
+        <p:grpSpPr>
+          <a:xfrm>
+            <a:off x="7278453" y="5335090"/>
+            <a:ext cx="1875123" cy="277000"/>
+            <a:chOff x="1282045" y="5188612"/>
+            <a:chExt cx="1875123" cy="277000"/>
+          </a:xfrm>
+        </p:grpSpPr>
+        <p:sp>
+          <p:nvSpPr>
+            <p:cNvPr id="12" name="文本框 11">
+              <a:extLst>
+                <a:ext uri="{FF2B5EF4-FFF2-40B4-BE49-F238E27FC236}">
+                  <a16:creationId xmlns:a16="http://schemas.microsoft.com/office/drawing/2014/main" id="{FFE231C3-3B39-4B47-943F-4FA50A39CBC7}"/>
+                </a:ext>
+              </a:extLst>
+            </p:cNvPr>
+            <p:cNvSpPr txBox="1"/>
+            <p:nvPr/>
+          </p:nvSpPr>
+          <p:spPr>
+            <a:xfrm>
+              <a:off x="1282045" y="5188613"/>
+              <a:ext cx="1514655" cy="276999"/>
+            </a:xfrm>
+            <a:prstGeom prst="rect">
+              <a:avLst/>
+            </a:prstGeom>
+            <a:solidFill>
+              <a:schemeClr val="accent2"/>
+            </a:solidFill>
+          </p:spPr>
+          <p:txBody>
+            <a:bodyPr wrap="square" rtlCol="0">
+              <a:spAutoFit/>
+            </a:bodyPr>
+            <a:lstStyle>
+              <a:defPPr>
+                <a:defRPr lang="zh-CN"/>
+              </a:defPPr>
+              <a:lvl1pPr>
+                <a:defRPr kumimoji="0" sz="1200" b="0" i="0" u="none" strike="noStrike" cap="none" normalizeH="0" baseline="0">
+                  <a:ln>
+                    <a:noFill/>
+                  </a:ln>
+                  <a:effectLst/>
+                  <a:latin typeface="Microsoft YaHei Light" panose="020B0502040204020203" pitchFamily="34" charset="-122"/>
+                  <a:ea typeface="Microsoft YaHei Light" panose="020B0502040204020203" pitchFamily="34" charset="-122"/>
+                </a:defRPr>
+              </a:lvl1pPr>
+            </a:lstStyle>
+            <a:p>
+              <a:r>
+                <a:rPr lang="en-US" altLang="zh-CN" dirty="0" err="1"/>
+                <a:t>ServerTracingFilter</a:t>
+              </a:r>
+              <a:endParaRPr lang="zh-CN" altLang="en-US" dirty="0"/>
+            </a:p>
+          </p:txBody>
+        </p:sp>
+        <p:sp>
+          <p:nvSpPr>
+            <p:cNvPr id="13" name="文本框 12">
+              <a:extLst>
+                <a:ext uri="{FF2B5EF4-FFF2-40B4-BE49-F238E27FC236}">
+                  <a16:creationId xmlns:a16="http://schemas.microsoft.com/office/drawing/2014/main" id="{326570DE-29CA-4E50-B1FA-D60DBD8FEBEE}"/>
+                </a:ext>
+              </a:extLst>
+            </p:cNvPr>
+            <p:cNvSpPr txBox="1"/>
+            <p:nvPr/>
+          </p:nvSpPr>
+          <p:spPr>
+            <a:xfrm>
+              <a:off x="2818614" y="5188612"/>
+              <a:ext cx="338554" cy="276999"/>
+            </a:xfrm>
+            <a:prstGeom prst="rect">
+              <a:avLst/>
+            </a:prstGeom>
+            <a:noFill/>
+          </p:spPr>
+          <p:txBody>
+            <a:bodyPr wrap="none" rtlCol="0">
+              <a:spAutoFit/>
+            </a:bodyPr>
+            <a:lstStyle/>
+            <a:p>
+              <a:r>
+                <a:rPr kumimoji="0" lang="zh-CN" altLang="en-US" sz="1200" b="0" i="0" u="none" strike="noStrike" cap="none" normalizeH="0" baseline="0" dirty="0">
+                  <a:ln>
+                    <a:noFill/>
+                  </a:ln>
+                  <a:effectLst/>
+                  <a:latin typeface="Microsoft YaHei Light" panose="020B0502040204020203" pitchFamily="34" charset="-122"/>
+                  <a:ea typeface="Microsoft YaHei Light" panose="020B0502040204020203" pitchFamily="34" charset="-122"/>
+                </a:rPr>
+                <a:t>？</a:t>
+              </a:r>
+              <a:endParaRPr lang="zh-CN" altLang="en-US" sz="1200" dirty="0">
+                <a:latin typeface="Microsoft YaHei Light" panose="020B0502040204020203" pitchFamily="34" charset="-122"/>
+                <a:ea typeface="Microsoft YaHei Light" panose="020B0502040204020203" pitchFamily="34" charset="-122"/>
+              </a:endParaRPr>
+            </a:p>
+          </p:txBody>
+        </p:sp>
+      </p:grpSp>
+      <p:grpSp>
+        <p:nvGrpSpPr>
+          <p:cNvPr id="15" name="组合 14">
+            <a:extLst>
+              <a:ext uri="{FF2B5EF4-FFF2-40B4-BE49-F238E27FC236}">
+                <a16:creationId xmlns:a16="http://schemas.microsoft.com/office/drawing/2014/main" id="{87871945-A903-43A1-9DC0-58833E720542}"/>
+              </a:ext>
+            </a:extLst>
+          </p:cNvPr>
+          <p:cNvGrpSpPr/>
+          <p:nvPr/>
+        </p:nvGrpSpPr>
+        <p:grpSpPr>
+          <a:xfrm>
+            <a:off x="7278453" y="4851486"/>
+            <a:ext cx="1875123" cy="277000"/>
+            <a:chOff x="1282045" y="5188612"/>
+            <a:chExt cx="1875123" cy="277000"/>
+          </a:xfrm>
+        </p:grpSpPr>
+        <p:sp>
+          <p:nvSpPr>
+            <p:cNvPr id="16" name="文本框 15">
+              <a:extLst>
+                <a:ext uri="{FF2B5EF4-FFF2-40B4-BE49-F238E27FC236}">
+                  <a16:creationId xmlns:a16="http://schemas.microsoft.com/office/drawing/2014/main" id="{125D35C2-4E6A-426C-89E2-51BDCEB930AE}"/>
+                </a:ext>
+              </a:extLst>
+            </p:cNvPr>
+            <p:cNvSpPr txBox="1"/>
+            <p:nvPr/>
+          </p:nvSpPr>
+          <p:spPr>
+            <a:xfrm>
+              <a:off x="1282045" y="5188613"/>
+              <a:ext cx="1323183" cy="276999"/>
+            </a:xfrm>
+            <a:prstGeom prst="rect">
+              <a:avLst/>
+            </a:prstGeom>
+            <a:solidFill>
+              <a:schemeClr val="accent2"/>
+            </a:solidFill>
+          </p:spPr>
+          <p:txBody>
+            <a:bodyPr wrap="square" rtlCol="0">
+              <a:spAutoFit/>
+            </a:bodyPr>
+            <a:lstStyle>
+              <a:defPPr>
+                <a:defRPr lang="zh-CN"/>
+              </a:defPPr>
+              <a:lvl1pPr>
+                <a:defRPr kumimoji="0" sz="1200" b="0" i="0" u="none" strike="noStrike" cap="none" normalizeH="0" baseline="0">
+                  <a:ln>
+                    <a:noFill/>
+                  </a:ln>
+                  <a:effectLst/>
+                  <a:latin typeface="Microsoft YaHei Light" panose="020B0502040204020203" pitchFamily="34" charset="-122"/>
+                  <a:ea typeface="Microsoft YaHei Light" panose="020B0502040204020203" pitchFamily="34" charset="-122"/>
+                </a:defRPr>
+              </a:lvl1pPr>
+            </a:lstStyle>
+            <a:p>
+              <a:pPr marL="0" marR="0" lvl="0" indent="0" algn="l" defTabSz="914400" rtl="0" eaLnBrk="0" fontAlgn="base" latinLnBrk="0" hangingPunct="0">
+                <a:lnSpc>
+                  <a:spcPct val="100000"/>
+                </a:lnSpc>
+                <a:spcBef>
+                  <a:spcPct val="0"/>
+                </a:spcBef>
+                <a:spcAft>
+                  <a:spcPct val="0"/>
+                </a:spcAft>
+                <a:buClrTx/>
+                <a:buSzTx/>
+                <a:buFontTx/>
+                <a:buNone/>
+                <a:tabLst/>
+              </a:pPr>
+              <a:r>
+                <a:rPr lang="en-US" altLang="zh-CN" dirty="0" err="1"/>
+                <a:t>ThreadUsage</a:t>
+              </a:r>
+              <a:endParaRPr kumimoji="0" lang="zh-CN" altLang="zh-CN" sz="1600" b="0" i="0" u="none" strike="noStrike" cap="none" normalizeH="0" baseline="0" dirty="0">
+                <a:ln>
+                  <a:noFill/>
+                </a:ln>
+                <a:solidFill>
+                  <a:schemeClr val="tx1"/>
+                </a:solidFill>
+                <a:effectLst/>
+                <a:latin typeface="Arial" panose="020B0604020202020204" pitchFamily="34" charset="0"/>
+              </a:endParaRPr>
+            </a:p>
+          </p:txBody>
+        </p:sp>
+        <p:sp>
+          <p:nvSpPr>
+            <p:cNvPr id="17" name="文本框 16">
+              <a:extLst>
+                <a:ext uri="{FF2B5EF4-FFF2-40B4-BE49-F238E27FC236}">
+                  <a16:creationId xmlns:a16="http://schemas.microsoft.com/office/drawing/2014/main" id="{4E408875-266A-490C-87A2-3973073B5FF1}"/>
+                </a:ext>
+              </a:extLst>
+            </p:cNvPr>
+            <p:cNvSpPr txBox="1"/>
+            <p:nvPr/>
+          </p:nvSpPr>
+          <p:spPr>
+            <a:xfrm>
+              <a:off x="2818614" y="5188612"/>
+              <a:ext cx="338554" cy="276999"/>
+            </a:xfrm>
+            <a:prstGeom prst="rect">
+              <a:avLst/>
+            </a:prstGeom>
+            <a:noFill/>
+          </p:spPr>
+          <p:txBody>
+            <a:bodyPr wrap="none" rtlCol="0">
+              <a:spAutoFit/>
+            </a:bodyPr>
+            <a:lstStyle/>
+            <a:p>
+              <a:r>
+                <a:rPr kumimoji="0" lang="zh-CN" altLang="en-US" sz="1200" b="0" i="0" u="none" strike="noStrike" cap="none" normalizeH="0" baseline="0" dirty="0">
+                  <a:ln>
+                    <a:noFill/>
+                  </a:ln>
+                  <a:effectLst/>
+                  <a:latin typeface="Microsoft YaHei Light" panose="020B0502040204020203" pitchFamily="34" charset="-122"/>
+                  <a:ea typeface="Microsoft YaHei Light" panose="020B0502040204020203" pitchFamily="34" charset="-122"/>
+                </a:rPr>
+                <a:t>？</a:t>
+              </a:r>
+              <a:endParaRPr lang="zh-CN" altLang="en-US" sz="1200" dirty="0">
+                <a:latin typeface="Microsoft YaHei Light" panose="020B0502040204020203" pitchFamily="34" charset="-122"/>
+                <a:ea typeface="Microsoft YaHei Light" panose="020B0502040204020203" pitchFamily="34" charset="-122"/>
+              </a:endParaRPr>
+            </a:p>
+          </p:txBody>
+        </p:sp>
+      </p:grpSp>
+      <p:sp>
+        <p:nvSpPr>
+          <p:cNvPr id="18" name="文本框 17">
+            <a:extLst>
+              <a:ext uri="{FF2B5EF4-FFF2-40B4-BE49-F238E27FC236}">
+                <a16:creationId xmlns:a16="http://schemas.microsoft.com/office/drawing/2014/main" id="{9D33DAF4-905B-4371-92C9-0C6AC4242677}"/>
+              </a:ext>
+            </a:extLst>
+          </p:cNvPr>
+          <p:cNvSpPr txBox="1"/>
+          <p:nvPr/>
+        </p:nvSpPr>
+        <p:spPr>
+          <a:xfrm>
+            <a:off x="2765284" y="6443421"/>
+            <a:ext cx="5444054" cy="276999"/>
+          </a:xfrm>
+          <a:prstGeom prst="rect">
+            <a:avLst/>
+          </a:prstGeom>
+          <a:noFill/>
+        </p:spPr>
+        <p:txBody>
+          <a:bodyPr wrap="none" rtlCol="0">
+            <a:spAutoFit/>
+          </a:bodyPr>
+          <a:lstStyle>
+            <a:defPPr>
+              <a:defRPr lang="zh-CN"/>
+            </a:defPPr>
+            <a:lvl1pPr>
+              <a:defRPr kumimoji="0" sz="1200" b="0" i="0" u="none" strike="noStrike" cap="none" normalizeH="0" baseline="0">
+                <a:ln>
+                  <a:noFill/>
+                </a:ln>
+                <a:effectLst/>
+                <a:latin typeface="Microsoft YaHei Light" panose="020B0502040204020203" pitchFamily="34" charset="-122"/>
+                <a:ea typeface="Microsoft YaHei Light" panose="020B0502040204020203" pitchFamily="34" charset="-122"/>
+              </a:defRPr>
+            </a:lvl1pPr>
+          </a:lstStyle>
+          <a:p>
+            <a:r>
+              <a:rPr lang="en-US" altLang="zh-CN" dirty="0">
+                <a:solidFill>
+                  <a:srgbClr val="FF0000"/>
+                </a:solidFill>
+              </a:rPr>
+              <a:t>Endpoint </a:t>
+            </a:r>
+            <a:r>
+              <a:rPr lang="zh-CN" altLang="en-US" dirty="0">
+                <a:solidFill>
+                  <a:srgbClr val="FF0000"/>
+                </a:solidFill>
+              </a:rPr>
+              <a:t>对应 </a:t>
+            </a:r>
+            <a:r>
+              <a:rPr lang="en-US" altLang="zh-CN" dirty="0" err="1">
+                <a:solidFill>
+                  <a:srgbClr val="FF0000"/>
+                </a:solidFill>
+              </a:rPr>
+              <a:t>servicefactory</a:t>
+            </a:r>
+            <a:r>
+              <a:rPr lang="en-US" altLang="zh-CN" dirty="0">
+                <a:solidFill>
+                  <a:srgbClr val="FF0000"/>
+                </a:solidFill>
+              </a:rPr>
+              <a:t> </a:t>
+            </a:r>
+            <a:r>
+              <a:rPr lang="zh-CN" altLang="en-US" dirty="0">
+                <a:solidFill>
+                  <a:srgbClr val="FF0000"/>
+                </a:solidFill>
+              </a:rPr>
+              <a:t>对应</a:t>
+            </a:r>
+            <a:r>
+              <a:rPr lang="en-US" altLang="zh-CN" dirty="0">
+                <a:solidFill>
+                  <a:srgbClr val="FF0000"/>
+                </a:solidFill>
+              </a:rPr>
+              <a:t>host </a:t>
+            </a:r>
+            <a:r>
+              <a:rPr lang="zh-CN" altLang="en-US" dirty="0">
+                <a:solidFill>
+                  <a:srgbClr val="FF0000"/>
+                </a:solidFill>
+              </a:rPr>
+              <a:t> </a:t>
+            </a:r>
+            <a:r>
+              <a:rPr lang="en-US" altLang="zh-CN" dirty="0">
+                <a:solidFill>
+                  <a:srgbClr val="FF0000"/>
+                </a:solidFill>
+              </a:rPr>
+              <a:t>session </a:t>
+            </a:r>
+            <a:r>
+              <a:rPr lang="zh-CN" altLang="en-US" dirty="0">
+                <a:solidFill>
+                  <a:srgbClr val="FF0000"/>
+                </a:solidFill>
+              </a:rPr>
+              <a:t>对应 </a:t>
+            </a:r>
+            <a:r>
+              <a:rPr lang="en-US" altLang="zh-CN" dirty="0">
+                <a:solidFill>
+                  <a:srgbClr val="FF0000"/>
+                </a:solidFill>
+              </a:rPr>
+              <a:t>service </a:t>
+            </a:r>
+            <a:r>
+              <a:rPr lang="zh-CN" altLang="en-US" dirty="0">
+                <a:solidFill>
+                  <a:srgbClr val="FF0000"/>
+                </a:solidFill>
+              </a:rPr>
+              <a:t>对应 </a:t>
+            </a:r>
+            <a:r>
+              <a:rPr lang="en-US" altLang="zh-CN" dirty="0">
+                <a:solidFill>
+                  <a:srgbClr val="FF0000"/>
+                </a:solidFill>
+              </a:rPr>
+              <a:t>connection</a:t>
+            </a:r>
+            <a:endParaRPr lang="zh-CN" altLang="en-US" dirty="0">
+              <a:solidFill>
+                <a:srgbClr val="FF0000"/>
+              </a:solidFill>
+            </a:endParaRPr>
+          </a:p>
+        </p:txBody>
+      </p:sp>
+      <p:grpSp>
+        <p:nvGrpSpPr>
+          <p:cNvPr id="19" name="组合 18">
+            <a:extLst>
+              <a:ext uri="{FF2B5EF4-FFF2-40B4-BE49-F238E27FC236}">
+                <a16:creationId xmlns:a16="http://schemas.microsoft.com/office/drawing/2014/main" id="{A72DCE8B-8204-4258-ADA8-0CBD462EC03B}"/>
+              </a:ext>
+            </a:extLst>
+          </p:cNvPr>
+          <p:cNvGrpSpPr/>
+          <p:nvPr/>
+        </p:nvGrpSpPr>
+        <p:grpSpPr>
+          <a:xfrm>
+            <a:off x="7241549" y="4399003"/>
+            <a:ext cx="1875123" cy="277000"/>
+            <a:chOff x="1282045" y="5188612"/>
+            <a:chExt cx="1875123" cy="277000"/>
+          </a:xfrm>
+        </p:grpSpPr>
+        <p:sp>
+          <p:nvSpPr>
+            <p:cNvPr id="20" name="文本框 19">
+              <a:extLst>
+                <a:ext uri="{FF2B5EF4-FFF2-40B4-BE49-F238E27FC236}">
+                  <a16:creationId xmlns:a16="http://schemas.microsoft.com/office/drawing/2014/main" id="{B3FB1C9B-DF9A-4B15-B623-ED1EEE20578A}"/>
+                </a:ext>
+              </a:extLst>
+            </p:cNvPr>
+            <p:cNvSpPr txBox="1"/>
+            <p:nvPr/>
+          </p:nvSpPr>
+          <p:spPr>
+            <a:xfrm>
+              <a:off x="1282045" y="5188613"/>
+              <a:ext cx="1323183" cy="276999"/>
+            </a:xfrm>
+            <a:prstGeom prst="rect">
+              <a:avLst/>
+            </a:prstGeom>
+            <a:solidFill>
+              <a:schemeClr val="accent2"/>
+            </a:solidFill>
+          </p:spPr>
+          <p:txBody>
+            <a:bodyPr wrap="square" rtlCol="0">
+              <a:spAutoFit/>
+            </a:bodyPr>
+            <a:lstStyle>
+              <a:defPPr>
+                <a:defRPr lang="zh-CN"/>
+              </a:defPPr>
+              <a:lvl1pPr>
+                <a:defRPr kumimoji="0" sz="1200" b="0" i="0" u="none" strike="noStrike" cap="none" normalizeH="0" baseline="0">
+                  <a:ln>
+                    <a:noFill/>
+                  </a:ln>
+                  <a:effectLst/>
+                  <a:latin typeface="Microsoft YaHei Light" panose="020B0502040204020203" pitchFamily="34" charset="-122"/>
+                  <a:ea typeface="Microsoft YaHei Light" panose="020B0502040204020203" pitchFamily="34" charset="-122"/>
+                </a:defRPr>
+              </a:lvl1pPr>
+            </a:lstStyle>
+            <a:p>
+              <a:pPr marL="0" marR="0" lvl="0" indent="0" algn="l" defTabSz="914400" rtl="0" eaLnBrk="0" fontAlgn="base" latinLnBrk="0" hangingPunct="0">
+                <a:lnSpc>
+                  <a:spcPct val="100000"/>
+                </a:lnSpc>
+                <a:spcBef>
+                  <a:spcPct val="0"/>
+                </a:spcBef>
+                <a:spcAft>
+                  <a:spcPct val="0"/>
+                </a:spcAft>
+                <a:buClrTx/>
+                <a:buSzTx/>
+                <a:buFontTx/>
+                <a:buNone/>
+                <a:tabLst/>
+              </a:pPr>
+              <a:r>
+                <a:rPr lang="en-US" altLang="zh-CN" dirty="0" err="1"/>
+                <a:t>ExportSslUsage</a:t>
+              </a:r>
+              <a:endParaRPr kumimoji="0" lang="zh-CN" altLang="zh-CN" sz="1600" b="0" i="0" u="none" strike="noStrike" cap="none" normalizeH="0" baseline="0" dirty="0">
+                <a:ln>
+                  <a:noFill/>
+                </a:ln>
+                <a:solidFill>
+                  <a:schemeClr val="tx1"/>
+                </a:solidFill>
+                <a:effectLst/>
+                <a:latin typeface="Arial" panose="020B0604020202020204" pitchFamily="34" charset="0"/>
+              </a:endParaRPr>
+            </a:p>
+          </p:txBody>
+        </p:sp>
+        <p:sp>
+          <p:nvSpPr>
+            <p:cNvPr id="21" name="文本框 20">
+              <a:extLst>
+                <a:ext uri="{FF2B5EF4-FFF2-40B4-BE49-F238E27FC236}">
+                  <a16:creationId xmlns:a16="http://schemas.microsoft.com/office/drawing/2014/main" id="{FF1568A3-E5D3-418F-A952-1BC653F2E221}"/>
+                </a:ext>
+              </a:extLst>
+            </p:cNvPr>
+            <p:cNvSpPr txBox="1"/>
+            <p:nvPr/>
+          </p:nvSpPr>
+          <p:spPr>
+            <a:xfrm>
+              <a:off x="2818614" y="5188612"/>
+              <a:ext cx="338554" cy="276999"/>
+            </a:xfrm>
+            <a:prstGeom prst="rect">
+              <a:avLst/>
+            </a:prstGeom>
+            <a:noFill/>
+          </p:spPr>
+          <p:txBody>
+            <a:bodyPr wrap="none" rtlCol="0">
+              <a:spAutoFit/>
+            </a:bodyPr>
+            <a:lstStyle/>
+            <a:p>
+              <a:r>
+                <a:rPr kumimoji="0" lang="zh-CN" altLang="en-US" sz="1200" b="0" i="0" u="none" strike="noStrike" cap="none" normalizeH="0" baseline="0" dirty="0">
+                  <a:ln>
+                    <a:noFill/>
+                  </a:ln>
+                  <a:effectLst/>
+                  <a:latin typeface="Microsoft YaHei Light" panose="020B0502040204020203" pitchFamily="34" charset="-122"/>
+                  <a:ea typeface="Microsoft YaHei Light" panose="020B0502040204020203" pitchFamily="34" charset="-122"/>
+                </a:rPr>
+                <a:t>？</a:t>
+              </a:r>
+              <a:endParaRPr lang="zh-CN" altLang="en-US" sz="1200" dirty="0">
+                <a:latin typeface="Microsoft YaHei Light" panose="020B0502040204020203" pitchFamily="34" charset="-122"/>
+                <a:ea typeface="Microsoft YaHei Light" panose="020B0502040204020203" pitchFamily="34" charset="-122"/>
+              </a:endParaRPr>
+            </a:p>
+          </p:txBody>
+        </p:sp>
+      </p:grpSp>
+      <p:sp>
+        <p:nvSpPr>
+          <p:cNvPr id="30" name="矩形 29">
+            <a:extLst>
+              <a:ext uri="{FF2B5EF4-FFF2-40B4-BE49-F238E27FC236}">
+                <a16:creationId xmlns:a16="http://schemas.microsoft.com/office/drawing/2014/main" id="{6F8EB2AA-0552-4CC9-AEA3-147BE174F80D}"/>
+              </a:ext>
+            </a:extLst>
+          </p:cNvPr>
+          <p:cNvSpPr/>
+          <p:nvPr/>
+        </p:nvSpPr>
+        <p:spPr>
+          <a:xfrm>
+            <a:off x="7022477" y="1659225"/>
+            <a:ext cx="1731831" cy="4440521"/>
+          </a:xfrm>
+          <a:prstGeom prst="rect">
+            <a:avLst/>
+          </a:prstGeom>
+          <a:noFill/>
+        </p:spPr>
+        <p:style>
+          <a:lnRef idx="2">
+            <a:schemeClr val="accent1">
+              <a:shade val="50000"/>
+            </a:schemeClr>
+          </a:lnRef>
+          <a:fillRef idx="1">
+            <a:schemeClr val="accent1"/>
+          </a:fillRef>
+          <a:effectRef idx="0">
+            <a:schemeClr val="accent1"/>
+          </a:effectRef>
+          <a:fontRef idx="minor">
+            <a:schemeClr val="lt1"/>
+          </a:fontRef>
+        </p:style>
+        <p:txBody>
+          <a:bodyPr rtlCol="0" anchor="ctr"/>
+          <a:lstStyle/>
+          <a:p>
+            <a:pPr algn="ctr"/>
+            <a:endParaRPr lang="zh-CN" altLang="en-US"/>
+          </a:p>
+        </p:txBody>
+      </p:sp>
+      <p:sp>
+        <p:nvSpPr>
+          <p:cNvPr id="33" name="文本框 32">
+            <a:extLst>
+              <a:ext uri="{FF2B5EF4-FFF2-40B4-BE49-F238E27FC236}">
+                <a16:creationId xmlns:a16="http://schemas.microsoft.com/office/drawing/2014/main" id="{62D156BA-2D9C-4A6E-BF30-A00202E5730F}"/>
+              </a:ext>
+            </a:extLst>
+          </p:cNvPr>
+          <p:cNvSpPr txBox="1"/>
+          <p:nvPr/>
+        </p:nvSpPr>
+        <p:spPr>
+          <a:xfrm>
+            <a:off x="7549998" y="1382226"/>
+            <a:ext cx="676788" cy="276999"/>
+          </a:xfrm>
+          <a:prstGeom prst="rect">
+            <a:avLst/>
+          </a:prstGeom>
+        </p:spPr>
+        <p:txBody>
+          <a:bodyPr wrap="none" rtlCol="0">
+            <a:spAutoFit/>
+          </a:bodyPr>
+          <a:lstStyle/>
+          <a:p>
+            <a:r>
+              <a:rPr lang="en-US" altLang="zh-CN" sz="1200" b="1" dirty="0">
+                <a:latin typeface="Microsoft YaHei Light" panose="020B0502040204020203" pitchFamily="34" charset="-122"/>
+                <a:ea typeface="Microsoft YaHei Light" panose="020B0502040204020203" pitchFamily="34" charset="-122"/>
+              </a:rPr>
+              <a:t>session</a:t>
+            </a:r>
+            <a:endParaRPr lang="zh-CN" altLang="en-US" sz="1200" b="1" dirty="0">
+              <a:latin typeface="Microsoft YaHei Light" panose="020B0502040204020203" pitchFamily="34" charset="-122"/>
+              <a:ea typeface="Microsoft YaHei Light" panose="020B0502040204020203" pitchFamily="34" charset="-122"/>
+            </a:endParaRPr>
+          </a:p>
+        </p:txBody>
+      </p:sp>
+      <p:grpSp>
+        <p:nvGrpSpPr>
+          <p:cNvPr id="53" name="组合 52">
+            <a:extLst>
+              <a:ext uri="{FF2B5EF4-FFF2-40B4-BE49-F238E27FC236}">
+                <a16:creationId xmlns:a16="http://schemas.microsoft.com/office/drawing/2014/main" id="{B6D6AB3A-C0F2-488B-8A98-5F374333C3FD}"/>
+              </a:ext>
+            </a:extLst>
+          </p:cNvPr>
+          <p:cNvGrpSpPr/>
+          <p:nvPr/>
+        </p:nvGrpSpPr>
+        <p:grpSpPr>
+          <a:xfrm>
+            <a:off x="1701838" y="3963916"/>
+            <a:ext cx="2266540" cy="276999"/>
+            <a:chOff x="1282044" y="5188614"/>
+            <a:chExt cx="1968439" cy="276999"/>
+          </a:xfrm>
+        </p:grpSpPr>
+        <p:sp>
+          <p:nvSpPr>
+            <p:cNvPr id="54" name="文本框 53">
+              <a:extLst>
+                <a:ext uri="{FF2B5EF4-FFF2-40B4-BE49-F238E27FC236}">
+                  <a16:creationId xmlns:a16="http://schemas.microsoft.com/office/drawing/2014/main" id="{2B4E5910-55E2-423E-B2C0-E9AB9A3E029D}"/>
+                </a:ext>
+              </a:extLst>
+            </p:cNvPr>
+            <p:cNvSpPr txBox="1"/>
+            <p:nvPr/>
+          </p:nvSpPr>
+          <p:spPr>
+            <a:xfrm>
+              <a:off x="1282044" y="5188614"/>
+              <a:ext cx="1668307" cy="276999"/>
+            </a:xfrm>
+            <a:prstGeom prst="rect">
+              <a:avLst/>
+            </a:prstGeom>
+            <a:solidFill>
+              <a:srgbClr val="FFC000"/>
+            </a:solidFill>
+          </p:spPr>
+          <p:txBody>
+            <a:bodyPr wrap="square" rtlCol="0">
+              <a:spAutoFit/>
+            </a:bodyPr>
+            <a:lstStyle>
+              <a:defPPr>
+                <a:defRPr lang="zh-CN"/>
+              </a:defPPr>
+              <a:lvl1pPr>
+                <a:defRPr kumimoji="0" sz="1200" b="0" i="0" u="none" strike="noStrike" cap="none" normalizeH="0" baseline="0">
+                  <a:ln>
+                    <a:noFill/>
+                  </a:ln>
+                  <a:effectLst/>
+                  <a:latin typeface="Microsoft YaHei Light" panose="020B0502040204020203" pitchFamily="34" charset="-122"/>
+                  <a:ea typeface="Microsoft YaHei Light" panose="020B0502040204020203" pitchFamily="34" charset="-122"/>
+                </a:defRPr>
+              </a:lvl1pPr>
+            </a:lstStyle>
+            <a:p>
+              <a:pPr eaLnBrk="0" fontAlgn="base" hangingPunct="0">
+                <a:spcBef>
+                  <a:spcPct val="0"/>
+                </a:spcBef>
+                <a:spcAft>
+                  <a:spcPct val="0"/>
+                </a:spcAft>
+              </a:pPr>
+              <a:r>
+                <a:rPr lang="en-US" altLang="zh-CN" sz="1200" dirty="0" err="1"/>
+                <a:t>ExceptionSourceFilter</a:t>
+              </a:r>
+              <a:endParaRPr kumimoji="0" lang="zh-CN" altLang="zh-CN" sz="1000" b="0" i="0" u="none" strike="noStrike" cap="none" normalizeH="0" baseline="0" dirty="0">
+                <a:ln>
+                  <a:noFill/>
+                </a:ln>
+                <a:solidFill>
+                  <a:schemeClr val="tx1"/>
+                </a:solidFill>
+                <a:effectLst/>
+                <a:latin typeface="Arial" panose="020B0604020202020204" pitchFamily="34" charset="0"/>
+              </a:endParaRPr>
+            </a:p>
+          </p:txBody>
+        </p:sp>
+        <p:sp>
+          <p:nvSpPr>
+            <p:cNvPr id="55" name="文本框 54">
+              <a:extLst>
+                <a:ext uri="{FF2B5EF4-FFF2-40B4-BE49-F238E27FC236}">
+                  <a16:creationId xmlns:a16="http://schemas.microsoft.com/office/drawing/2014/main" id="{5957FFB3-BE34-4895-8DB2-326FB7D779A6}"/>
+                </a:ext>
+              </a:extLst>
+            </p:cNvPr>
+            <p:cNvSpPr txBox="1"/>
+            <p:nvPr/>
+          </p:nvSpPr>
+          <p:spPr>
+            <a:xfrm>
+              <a:off x="2975816" y="5188614"/>
+              <a:ext cx="274667" cy="276999"/>
+            </a:xfrm>
+            <a:prstGeom prst="rect">
+              <a:avLst/>
+            </a:prstGeom>
+            <a:noFill/>
+          </p:spPr>
+          <p:txBody>
+            <a:bodyPr wrap="none" rtlCol="0">
+              <a:spAutoFit/>
+            </a:bodyPr>
+            <a:lstStyle/>
+            <a:p>
+              <a:r>
+                <a:rPr lang="en-US" altLang="zh-CN" sz="1200" dirty="0">
+                  <a:latin typeface="Microsoft YaHei Light" panose="020B0502040204020203" pitchFamily="34" charset="-122"/>
+                  <a:ea typeface="Microsoft YaHei Light" panose="020B0502040204020203" pitchFamily="34" charset="-122"/>
+                </a:rPr>
+                <a:t>?</a:t>
+              </a:r>
+              <a:endParaRPr lang="zh-CN" altLang="zh-CN" sz="1200" dirty="0">
+                <a:latin typeface="Microsoft YaHei Light" panose="020B0502040204020203" pitchFamily="34" charset="-122"/>
+                <a:ea typeface="Microsoft YaHei Light" panose="020B0502040204020203" pitchFamily="34" charset="-122"/>
+              </a:endParaRPr>
+            </a:p>
+          </p:txBody>
+        </p:sp>
+      </p:grpSp>
+      <p:grpSp>
+        <p:nvGrpSpPr>
+          <p:cNvPr id="57" name="组合 56">
+            <a:extLst>
+              <a:ext uri="{FF2B5EF4-FFF2-40B4-BE49-F238E27FC236}">
+                <a16:creationId xmlns:a16="http://schemas.microsoft.com/office/drawing/2014/main" id="{19AD9C2C-DCA3-453E-825D-F3E8EC05D321}"/>
+              </a:ext>
+            </a:extLst>
+          </p:cNvPr>
+          <p:cNvGrpSpPr/>
+          <p:nvPr/>
+        </p:nvGrpSpPr>
+        <p:grpSpPr>
+          <a:xfrm>
+            <a:off x="1728158" y="4369521"/>
+            <a:ext cx="1859946" cy="276999"/>
+            <a:chOff x="1282045" y="5188613"/>
+            <a:chExt cx="1989336" cy="276999"/>
+          </a:xfrm>
+        </p:grpSpPr>
+        <p:sp>
+          <p:nvSpPr>
+            <p:cNvPr id="58" name="文本框 57">
+              <a:extLst>
+                <a:ext uri="{FF2B5EF4-FFF2-40B4-BE49-F238E27FC236}">
+                  <a16:creationId xmlns:a16="http://schemas.microsoft.com/office/drawing/2014/main" id="{0BC5062D-8081-40C0-8939-86C7D251227A}"/>
+                </a:ext>
+              </a:extLst>
+            </p:cNvPr>
+            <p:cNvSpPr txBox="1"/>
+            <p:nvPr/>
+          </p:nvSpPr>
+          <p:spPr>
+            <a:xfrm>
+              <a:off x="1282045" y="5188613"/>
+              <a:ext cx="1668305" cy="276999"/>
+            </a:xfrm>
+            <a:prstGeom prst="rect">
+              <a:avLst/>
+            </a:prstGeom>
+            <a:solidFill>
+              <a:srgbClr val="FFC000"/>
+            </a:solidFill>
+          </p:spPr>
+          <p:txBody>
+            <a:bodyPr wrap="square" rtlCol="0">
+              <a:spAutoFit/>
+            </a:bodyPr>
+            <a:lstStyle>
+              <a:defPPr>
+                <a:defRPr lang="zh-CN"/>
+              </a:defPPr>
+              <a:lvl1pPr>
+                <a:defRPr kumimoji="0" sz="1200" b="0" i="0" u="none" strike="noStrike" cap="none" normalizeH="0" baseline="0">
+                  <a:ln>
+                    <a:noFill/>
+                  </a:ln>
+                  <a:effectLst/>
+                  <a:latin typeface="Microsoft YaHei Light" panose="020B0502040204020203" pitchFamily="34" charset="-122"/>
+                  <a:ea typeface="Microsoft YaHei Light" panose="020B0502040204020203" pitchFamily="34" charset="-122"/>
+                </a:defRPr>
+              </a:lvl1pPr>
+            </a:lstStyle>
+            <a:p>
+              <a:pPr eaLnBrk="0" fontAlgn="base" hangingPunct="0">
+                <a:spcBef>
+                  <a:spcPct val="0"/>
+                </a:spcBef>
+                <a:spcAft>
+                  <a:spcPct val="0"/>
+                </a:spcAft>
+              </a:pPr>
+              <a:r>
+                <a:rPr lang="en-US" altLang="zh-CN" sz="1200" dirty="0" err="1"/>
+                <a:t>MaskCancelFilter</a:t>
+              </a:r>
+              <a:endParaRPr kumimoji="0" lang="zh-CN" altLang="zh-CN" sz="1000" b="0" i="0" u="none" strike="noStrike" cap="none" normalizeH="0" baseline="0" dirty="0">
+                <a:ln>
+                  <a:noFill/>
+                </a:ln>
+                <a:solidFill>
+                  <a:schemeClr val="tx1"/>
+                </a:solidFill>
+                <a:effectLst/>
+                <a:latin typeface="Arial" panose="020B0604020202020204" pitchFamily="34" charset="0"/>
+              </a:endParaRPr>
+            </a:p>
+          </p:txBody>
+        </p:sp>
+        <p:sp>
+          <p:nvSpPr>
+            <p:cNvPr id="59" name="文本框 58">
+              <a:extLst>
+                <a:ext uri="{FF2B5EF4-FFF2-40B4-BE49-F238E27FC236}">
+                  <a16:creationId xmlns:a16="http://schemas.microsoft.com/office/drawing/2014/main" id="{9FE46D90-B74E-44A6-895F-3415C0D1C8FB}"/>
+                </a:ext>
+              </a:extLst>
+            </p:cNvPr>
+            <p:cNvSpPr txBox="1"/>
+            <p:nvPr/>
+          </p:nvSpPr>
+          <p:spPr>
+            <a:xfrm>
+              <a:off x="2996714" y="5188613"/>
+              <a:ext cx="274667" cy="276999"/>
+            </a:xfrm>
+            <a:prstGeom prst="rect">
+              <a:avLst/>
+            </a:prstGeom>
+            <a:noFill/>
+          </p:spPr>
+          <p:txBody>
+            <a:bodyPr wrap="none" rtlCol="0">
+              <a:spAutoFit/>
+            </a:bodyPr>
+            <a:lstStyle/>
+            <a:p>
+              <a:r>
+                <a:rPr lang="en-US" altLang="zh-CN" sz="1200" dirty="0">
+                  <a:latin typeface="Microsoft YaHei Light" panose="020B0502040204020203" pitchFamily="34" charset="-122"/>
+                  <a:ea typeface="Microsoft YaHei Light" panose="020B0502040204020203" pitchFamily="34" charset="-122"/>
+                </a:rPr>
+                <a:t>?</a:t>
+              </a:r>
+              <a:endParaRPr lang="zh-CN" altLang="zh-CN" sz="1200" dirty="0">
+                <a:latin typeface="Microsoft YaHei Light" panose="020B0502040204020203" pitchFamily="34" charset="-122"/>
+                <a:ea typeface="Microsoft YaHei Light" panose="020B0502040204020203" pitchFamily="34" charset="-122"/>
+              </a:endParaRPr>
+            </a:p>
+          </p:txBody>
+        </p:sp>
+      </p:grpSp>
+      <p:grpSp>
+        <p:nvGrpSpPr>
+          <p:cNvPr id="60" name="组合 59">
+            <a:extLst>
+              <a:ext uri="{FF2B5EF4-FFF2-40B4-BE49-F238E27FC236}">
+                <a16:creationId xmlns:a16="http://schemas.microsoft.com/office/drawing/2014/main" id="{D03ECADC-AB62-427E-8B1F-0AC7A5F4D4F4}"/>
+              </a:ext>
+            </a:extLst>
+          </p:cNvPr>
+          <p:cNvGrpSpPr/>
+          <p:nvPr/>
+        </p:nvGrpSpPr>
+        <p:grpSpPr>
+          <a:xfrm>
+            <a:off x="1728158" y="3269420"/>
+            <a:ext cx="1840410" cy="276999"/>
+            <a:chOff x="1282044" y="5188614"/>
+            <a:chExt cx="1968442" cy="276999"/>
+          </a:xfrm>
+        </p:grpSpPr>
+        <p:sp>
+          <p:nvSpPr>
+            <p:cNvPr id="61" name="文本框 60">
+              <a:extLst>
+                <a:ext uri="{FF2B5EF4-FFF2-40B4-BE49-F238E27FC236}">
+                  <a16:creationId xmlns:a16="http://schemas.microsoft.com/office/drawing/2014/main" id="{8395C165-F807-4A4F-AF13-7A7689F6559F}"/>
+                </a:ext>
+              </a:extLst>
+            </p:cNvPr>
+            <p:cNvSpPr txBox="1"/>
+            <p:nvPr/>
+          </p:nvSpPr>
+          <p:spPr>
+            <a:xfrm>
+              <a:off x="1282044" y="5188614"/>
+              <a:ext cx="1668307" cy="276999"/>
+            </a:xfrm>
+            <a:prstGeom prst="rect">
+              <a:avLst/>
+            </a:prstGeom>
+            <a:solidFill>
+              <a:srgbClr val="FFC000"/>
+            </a:solidFill>
+          </p:spPr>
+          <p:txBody>
+            <a:bodyPr wrap="square" rtlCol="0">
+              <a:spAutoFit/>
+            </a:bodyPr>
+            <a:lstStyle>
+              <a:defPPr>
+                <a:defRPr lang="zh-CN"/>
+              </a:defPPr>
+              <a:lvl1pPr>
+                <a:defRPr kumimoji="0" sz="1200" b="0" i="0" u="none" strike="noStrike" cap="none" normalizeH="0" baseline="0">
+                  <a:ln>
+                    <a:noFill/>
+                  </a:ln>
+                  <a:effectLst/>
+                  <a:latin typeface="Microsoft YaHei Light" panose="020B0502040204020203" pitchFamily="34" charset="-122"/>
+                  <a:ea typeface="Microsoft YaHei Light" panose="020B0502040204020203" pitchFamily="34" charset="-122"/>
+                </a:defRPr>
+              </a:lvl1pPr>
+            </a:lstStyle>
+            <a:p>
+              <a:pPr eaLnBrk="0" fontAlgn="base" hangingPunct="0">
+                <a:spcBef>
+                  <a:spcPct val="0"/>
+                </a:spcBef>
+                <a:spcAft>
+                  <a:spcPct val="0"/>
+                </a:spcAft>
+              </a:pPr>
+              <a:r>
+                <a:rPr lang="en-US" altLang="zh-CN" dirty="0" err="1"/>
+                <a:t>ServerStatsFilter</a:t>
+              </a:r>
+              <a:endParaRPr lang="zh-CN" altLang="zh-CN" dirty="0"/>
+            </a:p>
+          </p:txBody>
+        </p:sp>
+        <p:sp>
+          <p:nvSpPr>
+            <p:cNvPr id="62" name="文本框 61">
+              <a:extLst>
+                <a:ext uri="{FF2B5EF4-FFF2-40B4-BE49-F238E27FC236}">
+                  <a16:creationId xmlns:a16="http://schemas.microsoft.com/office/drawing/2014/main" id="{C0530665-953B-48D9-8417-902B5CBF2A5F}"/>
+                </a:ext>
+              </a:extLst>
+            </p:cNvPr>
+            <p:cNvSpPr txBox="1"/>
+            <p:nvPr/>
+          </p:nvSpPr>
+          <p:spPr>
+            <a:xfrm>
+              <a:off x="2975819" y="5188614"/>
+              <a:ext cx="274667" cy="276999"/>
+            </a:xfrm>
+            <a:prstGeom prst="rect">
+              <a:avLst/>
+            </a:prstGeom>
+            <a:noFill/>
+          </p:spPr>
+          <p:txBody>
+            <a:bodyPr wrap="none" rtlCol="0">
+              <a:spAutoFit/>
+            </a:bodyPr>
+            <a:lstStyle/>
+            <a:p>
+              <a:r>
+                <a:rPr lang="en-US" altLang="zh-CN" sz="1200" dirty="0">
+                  <a:latin typeface="Microsoft YaHei Light" panose="020B0502040204020203" pitchFamily="34" charset="-122"/>
+                  <a:ea typeface="Microsoft YaHei Light" panose="020B0502040204020203" pitchFamily="34" charset="-122"/>
+                </a:rPr>
+                <a:t>?</a:t>
+              </a:r>
+              <a:endParaRPr lang="zh-CN" altLang="zh-CN" sz="1200" dirty="0">
+                <a:latin typeface="Microsoft YaHei Light" panose="020B0502040204020203" pitchFamily="34" charset="-122"/>
+                <a:ea typeface="Microsoft YaHei Light" panose="020B0502040204020203" pitchFamily="34" charset="-122"/>
+              </a:endParaRPr>
+            </a:p>
+          </p:txBody>
+        </p:sp>
+      </p:grpSp>
+      <p:grpSp>
+        <p:nvGrpSpPr>
+          <p:cNvPr id="65" name="组合 64">
+            <a:extLst>
+              <a:ext uri="{FF2B5EF4-FFF2-40B4-BE49-F238E27FC236}">
+                <a16:creationId xmlns:a16="http://schemas.microsoft.com/office/drawing/2014/main" id="{5B6579EC-F6B3-4EAD-994D-901D70792E8F}"/>
+              </a:ext>
+            </a:extLst>
+          </p:cNvPr>
+          <p:cNvGrpSpPr/>
+          <p:nvPr/>
+        </p:nvGrpSpPr>
+        <p:grpSpPr>
+          <a:xfrm>
+            <a:off x="1728158" y="3636120"/>
+            <a:ext cx="1840409" cy="276999"/>
+            <a:chOff x="1282044" y="5188614"/>
+            <a:chExt cx="1968440" cy="276999"/>
+          </a:xfrm>
+        </p:grpSpPr>
+        <p:sp>
+          <p:nvSpPr>
+            <p:cNvPr id="66" name="文本框 65">
+              <a:extLst>
+                <a:ext uri="{FF2B5EF4-FFF2-40B4-BE49-F238E27FC236}">
+                  <a16:creationId xmlns:a16="http://schemas.microsoft.com/office/drawing/2014/main" id="{F3E16A7E-BEE1-4302-A956-8AD9E2CC18DD}"/>
+                </a:ext>
+              </a:extLst>
+            </p:cNvPr>
+            <p:cNvSpPr txBox="1"/>
+            <p:nvPr/>
+          </p:nvSpPr>
+          <p:spPr>
+            <a:xfrm>
+              <a:off x="1282044" y="5188614"/>
+              <a:ext cx="1668307" cy="276999"/>
+            </a:xfrm>
+            <a:prstGeom prst="rect">
+              <a:avLst/>
+            </a:prstGeom>
+            <a:solidFill>
+              <a:srgbClr val="FFC000"/>
+            </a:solidFill>
+          </p:spPr>
+          <p:txBody>
+            <a:bodyPr wrap="square" rtlCol="0">
+              <a:spAutoFit/>
+            </a:bodyPr>
+            <a:lstStyle>
+              <a:defPPr>
+                <a:defRPr lang="zh-CN"/>
+              </a:defPPr>
+              <a:lvl1pPr eaLnBrk="0" fontAlgn="base" hangingPunct="0">
+                <a:spcBef>
+                  <a:spcPct val="0"/>
+                </a:spcBef>
+                <a:spcAft>
+                  <a:spcPct val="0"/>
+                </a:spcAft>
+                <a:defRPr kumimoji="0" sz="1600" b="0" i="0" u="none" strike="noStrike" cap="none" normalizeH="0" baseline="0">
+                  <a:ln>
+                    <a:noFill/>
+                  </a:ln>
+                  <a:effectLst/>
+                  <a:latin typeface="Microsoft YaHei Light" panose="020B0502040204020203" pitchFamily="34" charset="-122"/>
+                  <a:ea typeface="Microsoft YaHei Light" panose="020B0502040204020203" pitchFamily="34" charset="-122"/>
+                </a:defRPr>
+              </a:lvl1pPr>
+            </a:lstStyle>
+            <a:p>
+              <a:r>
+                <a:rPr lang="en-US" altLang="zh-CN" sz="1200" dirty="0" err="1"/>
+                <a:t>JvmTracing</a:t>
+              </a:r>
+              <a:endParaRPr lang="zh-CN" altLang="zh-CN" sz="1200" dirty="0"/>
+            </a:p>
+          </p:txBody>
+        </p:sp>
+        <p:sp>
+          <p:nvSpPr>
+            <p:cNvPr id="67" name="文本框 66">
+              <a:extLst>
+                <a:ext uri="{FF2B5EF4-FFF2-40B4-BE49-F238E27FC236}">
+                  <a16:creationId xmlns:a16="http://schemas.microsoft.com/office/drawing/2014/main" id="{E808BA0E-C663-411B-928D-5C294B955A45}"/>
+                </a:ext>
+              </a:extLst>
+            </p:cNvPr>
+            <p:cNvSpPr txBox="1"/>
+            <p:nvPr/>
+          </p:nvSpPr>
+          <p:spPr>
+            <a:xfrm>
+              <a:off x="2975817" y="5188614"/>
+              <a:ext cx="274667" cy="276999"/>
+            </a:xfrm>
+            <a:prstGeom prst="rect">
+              <a:avLst/>
+            </a:prstGeom>
+            <a:noFill/>
+          </p:spPr>
+          <p:txBody>
+            <a:bodyPr wrap="none" rtlCol="0">
+              <a:spAutoFit/>
+            </a:bodyPr>
+            <a:lstStyle/>
+            <a:p>
+              <a:r>
+                <a:rPr lang="en-US" altLang="zh-CN" sz="1200" dirty="0">
+                  <a:latin typeface="Microsoft YaHei Light" panose="020B0502040204020203" pitchFamily="34" charset="-122"/>
+                  <a:ea typeface="Microsoft YaHei Light" panose="020B0502040204020203" pitchFamily="34" charset="-122"/>
+                </a:rPr>
+                <a:t>?</a:t>
+              </a:r>
+              <a:endParaRPr lang="zh-CN" altLang="zh-CN" sz="1200" dirty="0">
+                <a:latin typeface="Microsoft YaHei Light" panose="020B0502040204020203" pitchFamily="34" charset="-122"/>
+                <a:ea typeface="Microsoft YaHei Light" panose="020B0502040204020203" pitchFamily="34" charset="-122"/>
+              </a:endParaRPr>
+            </a:p>
+          </p:txBody>
+        </p:sp>
+      </p:grpSp>
+      <p:grpSp>
+        <p:nvGrpSpPr>
+          <p:cNvPr id="68" name="组合 67">
+            <a:extLst>
+              <a:ext uri="{FF2B5EF4-FFF2-40B4-BE49-F238E27FC236}">
+                <a16:creationId xmlns:a16="http://schemas.microsoft.com/office/drawing/2014/main" id="{D8AABA05-AEEF-4639-BCF4-A70172EC6505}"/>
+              </a:ext>
+            </a:extLst>
+          </p:cNvPr>
+          <p:cNvGrpSpPr/>
+          <p:nvPr/>
+        </p:nvGrpSpPr>
+        <p:grpSpPr>
+          <a:xfrm>
+            <a:off x="1728158" y="2696419"/>
+            <a:ext cx="1840408" cy="393598"/>
+            <a:chOff x="1282044" y="4941032"/>
+            <a:chExt cx="1968439" cy="393598"/>
+          </a:xfrm>
+        </p:grpSpPr>
+        <p:sp>
+          <p:nvSpPr>
+            <p:cNvPr id="69" name="文本框 68">
+              <a:extLst>
+                <a:ext uri="{FF2B5EF4-FFF2-40B4-BE49-F238E27FC236}">
+                  <a16:creationId xmlns:a16="http://schemas.microsoft.com/office/drawing/2014/main" id="{CC9AD319-3C7B-4392-A927-7DF6F44CFD0F}"/>
+                </a:ext>
+              </a:extLst>
+            </p:cNvPr>
+            <p:cNvSpPr txBox="1"/>
+            <p:nvPr/>
+          </p:nvSpPr>
+          <p:spPr>
+            <a:xfrm>
+              <a:off x="1282044" y="4941032"/>
+              <a:ext cx="1668307" cy="276999"/>
+            </a:xfrm>
+            <a:prstGeom prst="rect">
+              <a:avLst/>
+            </a:prstGeom>
+            <a:solidFill>
+              <a:srgbClr val="FFC000"/>
+            </a:solidFill>
+          </p:spPr>
+          <p:txBody>
+            <a:bodyPr wrap="square" rtlCol="0">
+              <a:spAutoFit/>
+            </a:bodyPr>
+            <a:lstStyle>
+              <a:defPPr>
+                <a:defRPr lang="zh-CN"/>
+              </a:defPPr>
+              <a:lvl1pPr>
+                <a:defRPr kumimoji="0" sz="1200" b="0" i="0" u="none" strike="noStrike" cap="none" normalizeH="0" baseline="0">
+                  <a:ln>
+                    <a:noFill/>
+                  </a:ln>
+                  <a:effectLst/>
+                  <a:latin typeface="Microsoft YaHei Light" panose="020B0502040204020203" pitchFamily="34" charset="-122"/>
+                  <a:ea typeface="Microsoft YaHei Light" panose="020B0502040204020203" pitchFamily="34" charset="-122"/>
+                </a:defRPr>
+              </a:lvl1pPr>
+            </a:lstStyle>
+            <a:p>
+              <a:pPr eaLnBrk="0" fontAlgn="base" hangingPunct="0">
+                <a:spcBef>
+                  <a:spcPct val="0"/>
+                </a:spcBef>
+                <a:spcAft>
+                  <a:spcPct val="0"/>
+                </a:spcAft>
+              </a:pPr>
+              <a:r>
+                <a:rPr lang="en-US" altLang="zh-CN" dirty="0" err="1"/>
+                <a:t>WireTracingFilter</a:t>
+              </a:r>
+              <a:endParaRPr lang="zh-CN" altLang="zh-CN" dirty="0"/>
+            </a:p>
+          </p:txBody>
+        </p:sp>
+        <p:sp>
+          <p:nvSpPr>
+            <p:cNvPr id="70" name="文本框 69">
+              <a:extLst>
+                <a:ext uri="{FF2B5EF4-FFF2-40B4-BE49-F238E27FC236}">
+                  <a16:creationId xmlns:a16="http://schemas.microsoft.com/office/drawing/2014/main" id="{482844D2-EC5D-4612-9B92-B76091663372}"/>
+                </a:ext>
+              </a:extLst>
+            </p:cNvPr>
+            <p:cNvSpPr txBox="1"/>
+            <p:nvPr/>
+          </p:nvSpPr>
+          <p:spPr>
+            <a:xfrm>
+              <a:off x="2975816" y="5057631"/>
+              <a:ext cx="274667" cy="276999"/>
+            </a:xfrm>
+            <a:prstGeom prst="rect">
+              <a:avLst/>
+            </a:prstGeom>
+            <a:noFill/>
+          </p:spPr>
+          <p:txBody>
+            <a:bodyPr wrap="none" rtlCol="0">
+              <a:spAutoFit/>
+            </a:bodyPr>
+            <a:lstStyle/>
+            <a:p>
+              <a:r>
+                <a:rPr lang="en-US" altLang="zh-CN" sz="1200" dirty="0">
+                  <a:latin typeface="Microsoft YaHei Light" panose="020B0502040204020203" pitchFamily="34" charset="-122"/>
+                  <a:ea typeface="Microsoft YaHei Light" panose="020B0502040204020203" pitchFamily="34" charset="-122"/>
+                </a:rPr>
+                <a:t>?</a:t>
+              </a:r>
+              <a:endParaRPr lang="zh-CN" altLang="zh-CN" sz="1200" dirty="0">
+                <a:latin typeface="Microsoft YaHei Light" panose="020B0502040204020203" pitchFamily="34" charset="-122"/>
+                <a:ea typeface="Microsoft YaHei Light" panose="020B0502040204020203" pitchFamily="34" charset="-122"/>
+              </a:endParaRPr>
+            </a:p>
+          </p:txBody>
+        </p:sp>
+      </p:grpSp>
+      <p:grpSp>
+        <p:nvGrpSpPr>
+          <p:cNvPr id="71" name="组合 70">
+            <a:extLst>
+              <a:ext uri="{FF2B5EF4-FFF2-40B4-BE49-F238E27FC236}">
+                <a16:creationId xmlns:a16="http://schemas.microsoft.com/office/drawing/2014/main" id="{D25E6107-89E0-4646-A88A-CD4ACE504AAF}"/>
+              </a:ext>
+            </a:extLst>
+          </p:cNvPr>
+          <p:cNvGrpSpPr/>
+          <p:nvPr/>
+        </p:nvGrpSpPr>
+        <p:grpSpPr>
+          <a:xfrm>
+            <a:off x="1728158" y="2331345"/>
+            <a:ext cx="1840408" cy="279583"/>
+            <a:chOff x="1282044" y="4938448"/>
+            <a:chExt cx="1968439" cy="279583"/>
+          </a:xfrm>
+        </p:grpSpPr>
+        <p:sp>
+          <p:nvSpPr>
+            <p:cNvPr id="72" name="文本框 71">
+              <a:extLst>
+                <a:ext uri="{FF2B5EF4-FFF2-40B4-BE49-F238E27FC236}">
+                  <a16:creationId xmlns:a16="http://schemas.microsoft.com/office/drawing/2014/main" id="{3C1C76E7-0777-48F2-9504-2221A7B6468C}"/>
+                </a:ext>
+              </a:extLst>
+            </p:cNvPr>
+            <p:cNvSpPr txBox="1"/>
+            <p:nvPr/>
+          </p:nvSpPr>
+          <p:spPr>
+            <a:xfrm>
+              <a:off x="1282044" y="4941032"/>
+              <a:ext cx="1668307" cy="276999"/>
+            </a:xfrm>
+            <a:prstGeom prst="rect">
+              <a:avLst/>
+            </a:prstGeom>
+            <a:solidFill>
+              <a:srgbClr val="FFC000"/>
+            </a:solidFill>
+          </p:spPr>
+          <p:txBody>
+            <a:bodyPr wrap="square" rtlCol="0">
+              <a:spAutoFit/>
+            </a:bodyPr>
+            <a:lstStyle>
+              <a:defPPr>
+                <a:defRPr lang="zh-CN"/>
+              </a:defPPr>
+              <a:lvl1pPr>
+                <a:defRPr kumimoji="0" sz="1200" b="0" i="0" u="none" strike="noStrike" cap="none" normalizeH="0" baseline="0">
+                  <a:ln>
+                    <a:noFill/>
+                  </a:ln>
+                  <a:effectLst/>
+                  <a:latin typeface="Microsoft YaHei Light" panose="020B0502040204020203" pitchFamily="34" charset="-122"/>
+                  <a:ea typeface="Microsoft YaHei Light" panose="020B0502040204020203" pitchFamily="34" charset="-122"/>
+                </a:defRPr>
+              </a:lvl1pPr>
+            </a:lstStyle>
+            <a:p>
+              <a:pPr marL="0" marR="0" lvl="0" indent="0" algn="l" defTabSz="914400" rtl="0" eaLnBrk="0" fontAlgn="base" latinLnBrk="0" hangingPunct="0">
+                <a:lnSpc>
+                  <a:spcPct val="100000"/>
+                </a:lnSpc>
+                <a:spcBef>
+                  <a:spcPct val="0"/>
+                </a:spcBef>
+                <a:spcAft>
+                  <a:spcPct val="0"/>
+                </a:spcAft>
+                <a:buClrTx/>
+                <a:buSzTx/>
+                <a:buFontTx/>
+                <a:buNone/>
+                <a:tabLst/>
+              </a:pPr>
+              <a:r>
+                <a:rPr lang="en-US" altLang="zh-CN" dirty="0" err="1"/>
+                <a:t>TraceInitializer</a:t>
+              </a:r>
+              <a:endParaRPr lang="zh-CN" altLang="zh-CN" dirty="0"/>
+            </a:p>
+          </p:txBody>
+        </p:sp>
+        <p:sp>
+          <p:nvSpPr>
+            <p:cNvPr id="73" name="文本框 72">
+              <a:extLst>
+                <a:ext uri="{FF2B5EF4-FFF2-40B4-BE49-F238E27FC236}">
+                  <a16:creationId xmlns:a16="http://schemas.microsoft.com/office/drawing/2014/main" id="{CECFED8B-817D-4E29-BAFC-A01D82BF4ED8}"/>
+                </a:ext>
+              </a:extLst>
+            </p:cNvPr>
+            <p:cNvSpPr txBox="1"/>
+            <p:nvPr/>
+          </p:nvSpPr>
+          <p:spPr>
+            <a:xfrm>
+              <a:off x="2975816" y="4938448"/>
+              <a:ext cx="274667" cy="276999"/>
+            </a:xfrm>
+            <a:prstGeom prst="rect">
+              <a:avLst/>
+            </a:prstGeom>
+            <a:noFill/>
+          </p:spPr>
+          <p:txBody>
+            <a:bodyPr wrap="none" rtlCol="0">
+              <a:spAutoFit/>
+            </a:bodyPr>
+            <a:lstStyle/>
+            <a:p>
+              <a:r>
+                <a:rPr lang="en-US" altLang="zh-CN" sz="1200" dirty="0">
+                  <a:latin typeface="Microsoft YaHei Light" panose="020B0502040204020203" pitchFamily="34" charset="-122"/>
+                  <a:ea typeface="Microsoft YaHei Light" panose="020B0502040204020203" pitchFamily="34" charset="-122"/>
+                </a:rPr>
+                <a:t>?</a:t>
+              </a:r>
+            </a:p>
+          </p:txBody>
+        </p:sp>
+      </p:grpSp>
+      <p:grpSp>
+        <p:nvGrpSpPr>
+          <p:cNvPr id="74" name="组合 73">
+            <a:extLst>
+              <a:ext uri="{FF2B5EF4-FFF2-40B4-BE49-F238E27FC236}">
+                <a16:creationId xmlns:a16="http://schemas.microsoft.com/office/drawing/2014/main" id="{7FDE0DA7-90BA-41B8-A085-97FF2F9BEA06}"/>
+              </a:ext>
+            </a:extLst>
+          </p:cNvPr>
+          <p:cNvGrpSpPr/>
+          <p:nvPr/>
+        </p:nvGrpSpPr>
+        <p:grpSpPr>
+          <a:xfrm>
+            <a:off x="1728158" y="1899161"/>
+            <a:ext cx="2031466" cy="277000"/>
+            <a:chOff x="1282045" y="4941031"/>
+            <a:chExt cx="2007784" cy="277000"/>
+          </a:xfrm>
+        </p:grpSpPr>
+        <p:sp>
+          <p:nvSpPr>
+            <p:cNvPr id="75" name="文本框 74">
+              <a:extLst>
+                <a:ext uri="{FF2B5EF4-FFF2-40B4-BE49-F238E27FC236}">
+                  <a16:creationId xmlns:a16="http://schemas.microsoft.com/office/drawing/2014/main" id="{626C2570-C6DE-4B64-BFC0-5DC2EAD03373}"/>
+                </a:ext>
+              </a:extLst>
+            </p:cNvPr>
+            <p:cNvSpPr txBox="1"/>
+            <p:nvPr/>
+          </p:nvSpPr>
+          <p:spPr>
+            <a:xfrm>
+              <a:off x="1282045" y="4941032"/>
+              <a:ext cx="1541613" cy="276999"/>
+            </a:xfrm>
+            <a:prstGeom prst="rect">
+              <a:avLst/>
+            </a:prstGeom>
+            <a:solidFill>
+              <a:srgbClr val="FFC000"/>
+            </a:solidFill>
+          </p:spPr>
+          <p:txBody>
+            <a:bodyPr wrap="square" rtlCol="0">
+              <a:spAutoFit/>
+            </a:bodyPr>
+            <a:lstStyle>
+              <a:defPPr>
+                <a:defRPr lang="zh-CN"/>
+              </a:defPPr>
+              <a:lvl1pPr>
+                <a:defRPr kumimoji="0" sz="1200" b="0" i="0" u="none" strike="noStrike" cap="none" normalizeH="0" baseline="0">
+                  <a:ln>
+                    <a:noFill/>
+                  </a:ln>
+                  <a:effectLst/>
+                  <a:latin typeface="Microsoft YaHei Light" panose="020B0502040204020203" pitchFamily="34" charset="-122"/>
+                  <a:ea typeface="Microsoft YaHei Light" panose="020B0502040204020203" pitchFamily="34" charset="-122"/>
+                </a:defRPr>
+              </a:lvl1pPr>
+            </a:lstStyle>
+            <a:p>
+              <a:pPr eaLnBrk="0" fontAlgn="base" hangingPunct="0">
+                <a:spcBef>
+                  <a:spcPct val="0"/>
+                </a:spcBef>
+                <a:spcAft>
+                  <a:spcPct val="0"/>
+                </a:spcAft>
+              </a:pPr>
+              <a:r>
+                <a:rPr lang="en-US" altLang="zh-CN" dirty="0" err="1"/>
+                <a:t>MonitorFilter</a:t>
+              </a:r>
+              <a:endParaRPr lang="zh-CN" altLang="zh-CN" dirty="0"/>
+            </a:p>
+          </p:txBody>
+        </p:sp>
+        <p:sp>
+          <p:nvSpPr>
+            <p:cNvPr id="76" name="文本框 75">
+              <a:extLst>
+                <a:ext uri="{FF2B5EF4-FFF2-40B4-BE49-F238E27FC236}">
+                  <a16:creationId xmlns:a16="http://schemas.microsoft.com/office/drawing/2014/main" id="{CE2862A5-1619-48E6-839A-4F8E46AC394E}"/>
+                </a:ext>
+              </a:extLst>
+            </p:cNvPr>
+            <p:cNvSpPr txBox="1"/>
+            <p:nvPr/>
+          </p:nvSpPr>
+          <p:spPr>
+            <a:xfrm>
+              <a:off x="2866500" y="4941031"/>
+              <a:ext cx="423329" cy="276999"/>
+            </a:xfrm>
+            <a:prstGeom prst="rect">
+              <a:avLst/>
+            </a:prstGeom>
+            <a:noFill/>
+          </p:spPr>
+          <p:txBody>
+            <a:bodyPr wrap="none" rtlCol="0">
+              <a:spAutoFit/>
+            </a:bodyPr>
+            <a:lstStyle/>
+            <a:p>
+              <a:r>
+                <a:rPr lang="zh-CN" altLang="en-US" sz="1200" dirty="0">
+                  <a:latin typeface="Microsoft YaHei Light" panose="020B0502040204020203" pitchFamily="34" charset="-122"/>
+                  <a:ea typeface="Microsoft YaHei Light" panose="020B0502040204020203" pitchFamily="34" charset="-122"/>
+                </a:rPr>
+                <a:t>？</a:t>
+              </a:r>
+              <a:r>
+                <a:rPr lang="en-US" altLang="zh-CN" sz="1200" dirty="0">
+                  <a:latin typeface="Microsoft YaHei Light" panose="020B0502040204020203" pitchFamily="34" charset="-122"/>
+                  <a:ea typeface="Microsoft YaHei Light" panose="020B0502040204020203" pitchFamily="34" charset="-122"/>
+                </a:rPr>
+                <a:t>  </a:t>
+              </a:r>
+              <a:endParaRPr lang="zh-CN" altLang="zh-CN" sz="1200" dirty="0">
+                <a:latin typeface="Microsoft YaHei Light" panose="020B0502040204020203" pitchFamily="34" charset="-122"/>
+                <a:ea typeface="Microsoft YaHei Light" panose="020B0502040204020203" pitchFamily="34" charset="-122"/>
+              </a:endParaRPr>
+            </a:p>
+          </p:txBody>
+        </p:sp>
+      </p:grpSp>
+      <p:sp>
+        <p:nvSpPr>
+          <p:cNvPr id="83" name="矩形 82">
+            <a:extLst>
+              <a:ext uri="{FF2B5EF4-FFF2-40B4-BE49-F238E27FC236}">
+                <a16:creationId xmlns:a16="http://schemas.microsoft.com/office/drawing/2014/main" id="{C1F26274-5C14-41C8-844F-BFB4BC29DAC2}"/>
+              </a:ext>
+            </a:extLst>
+          </p:cNvPr>
+          <p:cNvSpPr/>
+          <p:nvPr/>
+        </p:nvSpPr>
+        <p:spPr>
+          <a:xfrm>
+            <a:off x="1599471" y="1426086"/>
+            <a:ext cx="1731831" cy="4738618"/>
+          </a:xfrm>
+          <a:prstGeom prst="rect">
+            <a:avLst/>
+          </a:prstGeom>
+          <a:noFill/>
+        </p:spPr>
+        <p:style>
+          <a:lnRef idx="2">
+            <a:schemeClr val="accent1">
+              <a:shade val="50000"/>
+            </a:schemeClr>
+          </a:lnRef>
+          <a:fillRef idx="1">
+            <a:schemeClr val="accent1"/>
+          </a:fillRef>
+          <a:effectRef idx="0">
+            <a:schemeClr val="accent1"/>
+          </a:effectRef>
+          <a:fontRef idx="minor">
+            <a:schemeClr val="lt1"/>
+          </a:fontRef>
+        </p:style>
+        <p:txBody>
+          <a:bodyPr rtlCol="0" anchor="ctr"/>
+          <a:lstStyle/>
+          <a:p>
+            <a:pPr algn="ctr"/>
+            <a:endParaRPr lang="zh-CN" altLang="en-US"/>
+          </a:p>
+        </p:txBody>
+      </p:sp>
+      <p:sp>
+        <p:nvSpPr>
+          <p:cNvPr id="85" name="文本框 84">
+            <a:extLst>
+              <a:ext uri="{FF2B5EF4-FFF2-40B4-BE49-F238E27FC236}">
+                <a16:creationId xmlns:a16="http://schemas.microsoft.com/office/drawing/2014/main" id="{82EBDD33-3B50-4D5F-9B86-8DCA590E1574}"/>
+              </a:ext>
+            </a:extLst>
+          </p:cNvPr>
+          <p:cNvSpPr txBox="1"/>
+          <p:nvPr/>
+        </p:nvSpPr>
+        <p:spPr>
+          <a:xfrm>
+            <a:off x="1671739" y="1485961"/>
+            <a:ext cx="1587294" cy="276999"/>
+          </a:xfrm>
+          <a:prstGeom prst="rect">
+            <a:avLst/>
+          </a:prstGeom>
+        </p:spPr>
+        <p:txBody>
+          <a:bodyPr wrap="none" rtlCol="0">
+            <a:spAutoFit/>
+          </a:bodyPr>
+          <a:lstStyle/>
+          <a:p>
+            <a:r>
+              <a:rPr lang="en-US" altLang="zh-CN" sz="1200" b="1" dirty="0">
+                <a:latin typeface="Microsoft YaHei Light" panose="020B0502040204020203" pitchFamily="34" charset="-122"/>
+                <a:ea typeface="Microsoft YaHei Light" panose="020B0502040204020203" pitchFamily="34" charset="-122"/>
+              </a:rPr>
+              <a:t>Endpoint</a:t>
+            </a:r>
+            <a:r>
+              <a:rPr lang="zh-CN" altLang="en-US" sz="1200" b="1" dirty="0">
+                <a:latin typeface="Microsoft YaHei Light" panose="020B0502040204020203" pitchFamily="34" charset="-122"/>
+                <a:ea typeface="Microsoft YaHei Light" panose="020B0502040204020203" pitchFamily="34" charset="-122"/>
+              </a:rPr>
+              <a:t>，</a:t>
+            </a:r>
+            <a:r>
+              <a:rPr lang="en-US" altLang="zh-CN" sz="1200" b="1" dirty="0">
+                <a:latin typeface="Microsoft YaHei Light" panose="020B0502040204020203" pitchFamily="34" charset="-122"/>
+                <a:ea typeface="Microsoft YaHei Light" panose="020B0502040204020203" pitchFamily="34" charset="-122"/>
+              </a:rPr>
+              <a:t>sessions*</a:t>
+            </a:r>
+            <a:endParaRPr lang="zh-CN" altLang="en-US" sz="1200" b="1" dirty="0">
+              <a:latin typeface="Microsoft YaHei Light" panose="020B0502040204020203" pitchFamily="34" charset="-122"/>
+              <a:ea typeface="Microsoft YaHei Light" panose="020B0502040204020203" pitchFamily="34" charset="-122"/>
+            </a:endParaRPr>
+          </a:p>
+        </p:txBody>
+      </p:sp>
+      <p:cxnSp>
+        <p:nvCxnSpPr>
+          <p:cNvPr id="89" name="连接符: 肘形 88">
+            <a:extLst>
+              <a:ext uri="{FF2B5EF4-FFF2-40B4-BE49-F238E27FC236}">
+                <a16:creationId xmlns:a16="http://schemas.microsoft.com/office/drawing/2014/main" id="{B3FA3317-1A8D-4797-83C0-6A6FF411687D}"/>
+              </a:ext>
+            </a:extLst>
+          </p:cNvPr>
+          <p:cNvCxnSpPr>
+            <a:cxnSpLocks/>
+            <a:stCxn id="83" idx="2"/>
+          </p:cNvCxnSpPr>
+          <p:nvPr/>
+        </p:nvCxnSpPr>
+        <p:spPr>
+          <a:xfrm rot="5400000" flipH="1" flipV="1">
+            <a:off x="2773142" y="1105597"/>
+            <a:ext cx="4751352" cy="5366862"/>
+          </a:xfrm>
+          <a:prstGeom prst="bentConnector4">
+            <a:avLst>
+              <a:gd name="adj1" fmla="val -4811"/>
+              <a:gd name="adj2" fmla="val 58067"/>
+            </a:avLst>
+          </a:prstGeom>
+          <a:ln>
+            <a:solidFill>
+              <a:schemeClr val="tx1"/>
+            </a:solidFill>
+            <a:tailEnd type="triangle"/>
+          </a:ln>
+        </p:spPr>
+        <p:style>
+          <a:lnRef idx="1">
+            <a:schemeClr val="accent1"/>
+          </a:lnRef>
+          <a:fillRef idx="0">
+            <a:schemeClr val="accent1"/>
+          </a:fillRef>
+          <a:effectRef idx="0">
+            <a:schemeClr val="accent1"/>
+          </a:effectRef>
+          <a:fontRef idx="minor">
+            <a:schemeClr val="tx1"/>
+          </a:fontRef>
+        </p:style>
+      </p:cxnSp>
+      <p:sp>
+        <p:nvSpPr>
+          <p:cNvPr id="95" name="文本框 94">
+            <a:extLst>
+              <a:ext uri="{FF2B5EF4-FFF2-40B4-BE49-F238E27FC236}">
+                <a16:creationId xmlns:a16="http://schemas.microsoft.com/office/drawing/2014/main" id="{9D100B24-A908-433D-9949-039C0C7F9FFA}"/>
+              </a:ext>
+            </a:extLst>
+          </p:cNvPr>
+          <p:cNvSpPr txBox="1"/>
+          <p:nvPr/>
+        </p:nvSpPr>
+        <p:spPr>
+          <a:xfrm>
+            <a:off x="1599471" y="693296"/>
+            <a:ext cx="1559796" cy="246221"/>
+          </a:xfrm>
+          <a:prstGeom prst="rect">
+            <a:avLst/>
+          </a:prstGeom>
+          <a:solidFill>
+            <a:srgbClr val="92D050"/>
+          </a:solidFill>
+        </p:spPr>
+        <p:txBody>
+          <a:bodyPr wrap="square" rtlCol="0">
+            <a:spAutoFit/>
+          </a:bodyPr>
+          <a:lstStyle>
+            <a:defPPr>
+              <a:defRPr lang="zh-CN"/>
+            </a:defPPr>
+            <a:lvl1pPr marR="0" lvl="0" indent="0" eaLnBrk="0" fontAlgn="base" hangingPunct="0">
+              <a:lnSpc>
+                <a:spcPct val="100000"/>
+              </a:lnSpc>
+              <a:spcBef>
+                <a:spcPct val="0"/>
+              </a:spcBef>
+              <a:spcAft>
+                <a:spcPct val="0"/>
+              </a:spcAft>
+              <a:buClrTx/>
+              <a:buSzTx/>
+              <a:buFontTx/>
+              <a:buNone/>
+              <a:tabLst/>
+              <a:defRPr sz="1000"/>
+            </a:lvl1pPr>
+          </a:lstStyle>
+          <a:p>
+            <a:r>
+              <a:rPr lang="zh-CN" altLang="en-US" dirty="0"/>
+              <a:t>接上一页</a:t>
+            </a:r>
+            <a:endParaRPr lang="zh-CN" altLang="zh-CN" dirty="0"/>
+          </a:p>
+        </p:txBody>
+      </p:sp>
+      <p:cxnSp>
+        <p:nvCxnSpPr>
+          <p:cNvPr id="96" name="直接箭头连接符 95">
+            <a:extLst>
+              <a:ext uri="{FF2B5EF4-FFF2-40B4-BE49-F238E27FC236}">
+                <a16:creationId xmlns:a16="http://schemas.microsoft.com/office/drawing/2014/main" id="{91D473F0-553E-417C-8012-BAEBFA6820C6}"/>
+              </a:ext>
+            </a:extLst>
+          </p:cNvPr>
+          <p:cNvCxnSpPr>
+            <a:cxnSpLocks/>
+          </p:cNvCxnSpPr>
+          <p:nvPr/>
+        </p:nvCxnSpPr>
+        <p:spPr>
+          <a:xfrm>
+            <a:off x="2305560" y="920855"/>
+            <a:ext cx="0" cy="474357"/>
+          </a:xfrm>
+          <a:prstGeom prst="straightConnector1">
+            <a:avLst/>
+          </a:prstGeom>
+          <a:ln>
+            <a:tailEnd type="triangle"/>
+          </a:ln>
+        </p:spPr>
+        <p:style>
+          <a:lnRef idx="1">
+            <a:schemeClr val="accent1"/>
+          </a:lnRef>
+          <a:fillRef idx="0">
+            <a:schemeClr val="accent1"/>
+          </a:fillRef>
+          <a:effectRef idx="0">
+            <a:schemeClr val="accent1"/>
+          </a:effectRef>
+          <a:fontRef idx="minor">
+            <a:schemeClr val="tx1"/>
+          </a:fontRef>
+        </p:style>
+      </p:cxnSp>
+      <p:grpSp>
+        <p:nvGrpSpPr>
+          <p:cNvPr id="63" name="组合 62">
+            <a:extLst>
+              <a:ext uri="{FF2B5EF4-FFF2-40B4-BE49-F238E27FC236}">
+                <a16:creationId xmlns:a16="http://schemas.microsoft.com/office/drawing/2014/main" id="{467921F6-DFA6-407F-94EE-997B2E182407}"/>
+              </a:ext>
+            </a:extLst>
+          </p:cNvPr>
+          <p:cNvGrpSpPr/>
+          <p:nvPr/>
+        </p:nvGrpSpPr>
+        <p:grpSpPr>
+          <a:xfrm>
+            <a:off x="7237395" y="3970610"/>
+            <a:ext cx="4346954" cy="277000"/>
+            <a:chOff x="1282045" y="5188612"/>
+            <a:chExt cx="4346954" cy="277000"/>
+          </a:xfrm>
+        </p:grpSpPr>
+        <p:sp>
+          <p:nvSpPr>
+            <p:cNvPr id="64" name="文本框 63">
+              <a:extLst>
+                <a:ext uri="{FF2B5EF4-FFF2-40B4-BE49-F238E27FC236}">
+                  <a16:creationId xmlns:a16="http://schemas.microsoft.com/office/drawing/2014/main" id="{DE1971E7-DE08-4078-BB14-AA0DB0C6212A}"/>
+                </a:ext>
+              </a:extLst>
+            </p:cNvPr>
+            <p:cNvSpPr txBox="1"/>
+            <p:nvPr/>
+          </p:nvSpPr>
+          <p:spPr>
+            <a:xfrm>
+              <a:off x="1282045" y="5188613"/>
+              <a:ext cx="1286279" cy="246221"/>
+            </a:xfrm>
+            <a:prstGeom prst="rect">
+              <a:avLst/>
+            </a:prstGeom>
+            <a:solidFill>
+              <a:schemeClr val="accent2"/>
+            </a:solidFill>
+          </p:spPr>
+          <p:txBody>
+            <a:bodyPr wrap="square" rtlCol="0">
+              <a:spAutoFit/>
+            </a:bodyPr>
+            <a:lstStyle>
+              <a:defPPr>
+                <a:defRPr lang="zh-CN"/>
+              </a:defPPr>
+              <a:lvl1pPr marR="0" lvl="0" indent="0" eaLnBrk="0" fontAlgn="base" hangingPunct="0">
+                <a:lnSpc>
+                  <a:spcPct val="100000"/>
+                </a:lnSpc>
+                <a:spcBef>
+                  <a:spcPct val="0"/>
+                </a:spcBef>
+                <a:spcAft>
+                  <a:spcPct val="0"/>
+                </a:spcAft>
+                <a:buClrTx/>
+                <a:buSzTx/>
+                <a:buFontTx/>
+                <a:buNone/>
+                <a:tabLst/>
+                <a:defRPr kumimoji="0" sz="1200" b="0" i="0" u="none" strike="noStrike" cap="none" normalizeH="0" baseline="0">
+                  <a:ln>
+                    <a:noFill/>
+                  </a:ln>
+                  <a:effectLst/>
+                  <a:latin typeface="Microsoft YaHei Light" panose="020B0502040204020203" pitchFamily="34" charset="-122"/>
+                  <a:ea typeface="Microsoft YaHei Light" panose="020B0502040204020203" pitchFamily="34" charset="-122"/>
+                </a:defRPr>
+              </a:lvl1pPr>
+            </a:lstStyle>
+            <a:p>
+              <a:r>
+                <a:rPr lang="en-US" altLang="zh-CN" dirty="0" err="1"/>
+                <a:t>ExpiringService</a:t>
+              </a:r>
+              <a:endParaRPr lang="zh-CN" altLang="zh-CN" dirty="0"/>
+            </a:p>
+          </p:txBody>
+        </p:sp>
+        <p:sp>
+          <p:nvSpPr>
+            <p:cNvPr id="77" name="文本框 76">
+              <a:extLst>
+                <a:ext uri="{FF2B5EF4-FFF2-40B4-BE49-F238E27FC236}">
+                  <a16:creationId xmlns:a16="http://schemas.microsoft.com/office/drawing/2014/main" id="{66BAB3CE-2097-4F7F-A584-AC03C8EEFAF9}"/>
+                </a:ext>
+              </a:extLst>
+            </p:cNvPr>
+            <p:cNvSpPr txBox="1"/>
+            <p:nvPr/>
+          </p:nvSpPr>
+          <p:spPr>
+            <a:xfrm>
+              <a:off x="2818614" y="5188612"/>
+              <a:ext cx="2810385" cy="276999"/>
+            </a:xfrm>
+            <a:prstGeom prst="rect">
+              <a:avLst/>
+            </a:prstGeom>
+            <a:noFill/>
+          </p:spPr>
+          <p:txBody>
+            <a:bodyPr wrap="none" rtlCol="0">
+              <a:spAutoFit/>
+            </a:bodyPr>
+            <a:lstStyle/>
+            <a:p>
+              <a:r>
+                <a:rPr kumimoji="0" lang="en-US" altLang="zh-CN" sz="1200" b="0" i="0" u="none" strike="noStrike" cap="none" normalizeH="0" baseline="0" dirty="0">
+                  <a:ln>
+                    <a:noFill/>
+                  </a:ln>
+                  <a:effectLst/>
+                  <a:latin typeface="Microsoft YaHei Light" panose="020B0502040204020203" pitchFamily="34" charset="-122"/>
+                  <a:ea typeface="Microsoft YaHei Light" panose="020B0502040204020203" pitchFamily="34" charset="-122"/>
+                </a:rPr>
+                <a:t>Session </a:t>
+              </a:r>
+              <a:r>
+                <a:rPr kumimoji="0" lang="zh-CN" altLang="en-US" sz="1200" b="0" i="0" u="none" strike="noStrike" cap="none" normalizeH="0" baseline="0" dirty="0">
+                  <a:ln>
+                    <a:noFill/>
+                  </a:ln>
+                  <a:effectLst/>
+                  <a:latin typeface="Microsoft YaHei Light" panose="020B0502040204020203" pitchFamily="34" charset="-122"/>
+                  <a:ea typeface="Microsoft YaHei Light" panose="020B0502040204020203" pitchFamily="34" charset="-122"/>
+                </a:rPr>
+                <a:t>状态改变，判断依据，</a:t>
+              </a:r>
+              <a:r>
+                <a:rPr kumimoji="0" lang="en-US" altLang="zh-CN" sz="1200" b="0" i="0" u="none" strike="noStrike" cap="none" normalizeH="0" baseline="0" dirty="0">
+                  <a:ln>
+                    <a:noFill/>
+                  </a:ln>
+                  <a:effectLst/>
+                  <a:latin typeface="Microsoft YaHei Light" panose="020B0502040204020203" pitchFamily="34" charset="-122"/>
+                  <a:ea typeface="Microsoft YaHei Light" panose="020B0502040204020203" pitchFamily="34" charset="-122"/>
+                </a:rPr>
+                <a:t>idle</a:t>
+              </a:r>
+              <a:r>
+                <a:rPr kumimoji="0" lang="zh-CN" altLang="en-US" sz="1200" b="0" i="0" u="none" strike="noStrike" cap="none" normalizeH="0" baseline="0" dirty="0">
+                  <a:ln>
+                    <a:noFill/>
+                  </a:ln>
+                  <a:effectLst/>
+                  <a:latin typeface="Microsoft YaHei Light" panose="020B0502040204020203" pitchFamily="34" charset="-122"/>
+                  <a:ea typeface="Microsoft YaHei Light" panose="020B0502040204020203" pitchFamily="34" charset="-122"/>
+                </a:rPr>
+                <a:t>，</a:t>
+              </a:r>
+              <a:r>
+                <a:rPr kumimoji="0" lang="en-US" altLang="zh-CN" sz="1200" b="0" i="0" u="none" strike="noStrike" cap="none" normalizeH="0" baseline="0" dirty="0" err="1">
+                  <a:ln>
+                    <a:noFill/>
+                  </a:ln>
+                  <a:effectLst/>
+                  <a:latin typeface="Microsoft YaHei Light" panose="020B0502040204020203" pitchFamily="34" charset="-122"/>
+                  <a:ea typeface="Microsoft YaHei Light" panose="020B0502040204020203" pitchFamily="34" charset="-122"/>
+                </a:rPr>
+                <a:t>ttl</a:t>
+              </a:r>
+              <a:endParaRPr lang="zh-CN" altLang="en-US" sz="1200" dirty="0">
+                <a:latin typeface="Microsoft YaHei Light" panose="020B0502040204020203" pitchFamily="34" charset="-122"/>
+                <a:ea typeface="Microsoft YaHei Light" panose="020B0502040204020203" pitchFamily="34" charset="-122"/>
+              </a:endParaRPr>
+            </a:p>
+          </p:txBody>
+        </p:sp>
+      </p:grpSp>
+      <p:grpSp>
+        <p:nvGrpSpPr>
+          <p:cNvPr id="79" name="组合 78">
+            <a:extLst>
+              <a:ext uri="{FF2B5EF4-FFF2-40B4-BE49-F238E27FC236}">
+                <a16:creationId xmlns:a16="http://schemas.microsoft.com/office/drawing/2014/main" id="{74A04168-9445-481E-98FA-D95918A22C97}"/>
+              </a:ext>
+            </a:extLst>
+          </p:cNvPr>
+          <p:cNvGrpSpPr/>
+          <p:nvPr/>
+        </p:nvGrpSpPr>
+        <p:grpSpPr>
+          <a:xfrm>
+            <a:off x="7237395" y="3272028"/>
+            <a:ext cx="1793371" cy="461666"/>
+            <a:chOff x="1282045" y="5188612"/>
+            <a:chExt cx="1793371" cy="461666"/>
+          </a:xfrm>
+        </p:grpSpPr>
+        <p:sp>
+          <p:nvSpPr>
+            <p:cNvPr id="80" name="文本框 79">
+              <a:extLst>
+                <a:ext uri="{FF2B5EF4-FFF2-40B4-BE49-F238E27FC236}">
+                  <a16:creationId xmlns:a16="http://schemas.microsoft.com/office/drawing/2014/main" id="{B7D9B568-55BB-435A-B35F-557E4A94AECC}"/>
+                </a:ext>
+              </a:extLst>
+            </p:cNvPr>
+            <p:cNvSpPr txBox="1"/>
+            <p:nvPr/>
+          </p:nvSpPr>
+          <p:spPr>
+            <a:xfrm>
+              <a:off x="1282045" y="5188613"/>
+              <a:ext cx="1286279" cy="461665"/>
+            </a:xfrm>
+            <a:prstGeom prst="rect">
+              <a:avLst/>
+            </a:prstGeom>
+            <a:solidFill>
+              <a:schemeClr val="accent2"/>
+            </a:solidFill>
+          </p:spPr>
+          <p:txBody>
+            <a:bodyPr wrap="square" rtlCol="0">
+              <a:spAutoFit/>
+            </a:bodyPr>
+            <a:lstStyle>
+              <a:defPPr>
+                <a:defRPr lang="zh-CN"/>
+              </a:defPPr>
+              <a:lvl1pPr marR="0" lvl="0" indent="0" eaLnBrk="0" fontAlgn="base" hangingPunct="0">
+                <a:lnSpc>
+                  <a:spcPct val="100000"/>
+                </a:lnSpc>
+                <a:spcBef>
+                  <a:spcPct val="0"/>
+                </a:spcBef>
+                <a:spcAft>
+                  <a:spcPct val="0"/>
+                </a:spcAft>
+                <a:buClrTx/>
+                <a:buSzTx/>
+                <a:buFontTx/>
+                <a:buNone/>
+                <a:tabLst/>
+                <a:defRPr kumimoji="0" sz="1200" b="0" i="0" u="none" strike="noStrike" cap="none" normalizeH="0" baseline="0">
+                  <a:ln>
+                    <a:noFill/>
+                  </a:ln>
+                  <a:effectLst/>
+                  <a:latin typeface="Microsoft YaHei Light" panose="020B0502040204020203" pitchFamily="34" charset="-122"/>
+                  <a:ea typeface="Microsoft YaHei Light" panose="020B0502040204020203" pitchFamily="34" charset="-122"/>
+                </a:defRPr>
+              </a:lvl1pPr>
+            </a:lstStyle>
+            <a:p>
+              <a:r>
+                <a:rPr lang="en-US" altLang="zh-CN" dirty="0" err="1"/>
+                <a:t>ServerDestTracingProxy</a:t>
+              </a:r>
+              <a:endParaRPr kumimoji="0" lang="zh-CN" altLang="zh-CN" sz="1600" b="0" i="0" u="none" strike="noStrike" cap="none" normalizeH="0" baseline="0" dirty="0">
+                <a:ln>
+                  <a:noFill/>
+                </a:ln>
+                <a:solidFill>
+                  <a:schemeClr val="tx1"/>
+                </a:solidFill>
+                <a:effectLst/>
+                <a:latin typeface="Arial" panose="020B0604020202020204" pitchFamily="34" charset="0"/>
+              </a:endParaRPr>
+            </a:p>
+          </p:txBody>
+        </p:sp>
+        <p:sp>
+          <p:nvSpPr>
+            <p:cNvPr id="82" name="文本框 81">
+              <a:extLst>
+                <a:ext uri="{FF2B5EF4-FFF2-40B4-BE49-F238E27FC236}">
+                  <a16:creationId xmlns:a16="http://schemas.microsoft.com/office/drawing/2014/main" id="{D4BD6ED5-A867-482D-9567-11409FA6D5F3}"/>
+                </a:ext>
+              </a:extLst>
+            </p:cNvPr>
+            <p:cNvSpPr txBox="1"/>
+            <p:nvPr/>
+          </p:nvSpPr>
+          <p:spPr>
+            <a:xfrm>
+              <a:off x="2818614" y="5188612"/>
+              <a:ext cx="256802" cy="276999"/>
+            </a:xfrm>
+            <a:prstGeom prst="rect">
+              <a:avLst/>
+            </a:prstGeom>
+            <a:noFill/>
+          </p:spPr>
+          <p:txBody>
+            <a:bodyPr wrap="none" rtlCol="0">
+              <a:spAutoFit/>
+            </a:bodyPr>
+            <a:lstStyle/>
+            <a:p>
+              <a:r>
+                <a:rPr kumimoji="0" lang="en-US" altLang="zh-CN" sz="1200" b="0" i="0" u="none" strike="noStrike" cap="none" normalizeH="0" baseline="0" dirty="0">
+                  <a:ln>
+                    <a:noFill/>
+                  </a:ln>
+                  <a:effectLst/>
+                  <a:latin typeface="Microsoft YaHei Light" panose="020B0502040204020203" pitchFamily="34" charset="-122"/>
+                  <a:ea typeface="Microsoft YaHei Light" panose="020B0502040204020203" pitchFamily="34" charset="-122"/>
+                </a:rPr>
+                <a:t>?</a:t>
+              </a:r>
+              <a:endParaRPr lang="zh-CN" altLang="en-US" sz="1200" dirty="0">
+                <a:latin typeface="Microsoft YaHei Light" panose="020B0502040204020203" pitchFamily="34" charset="-122"/>
+                <a:ea typeface="Microsoft YaHei Light" panose="020B0502040204020203" pitchFamily="34" charset="-122"/>
+              </a:endParaRPr>
+            </a:p>
+          </p:txBody>
+        </p:sp>
+      </p:grpSp>
+      <p:grpSp>
+        <p:nvGrpSpPr>
+          <p:cNvPr id="84" name="组合 83">
+            <a:extLst>
+              <a:ext uri="{FF2B5EF4-FFF2-40B4-BE49-F238E27FC236}">
+                <a16:creationId xmlns:a16="http://schemas.microsoft.com/office/drawing/2014/main" id="{0CBB88B4-2787-4820-9EAB-8FE2D311B1D8}"/>
+              </a:ext>
+            </a:extLst>
+          </p:cNvPr>
+          <p:cNvGrpSpPr/>
+          <p:nvPr/>
+        </p:nvGrpSpPr>
+        <p:grpSpPr>
+          <a:xfrm>
+            <a:off x="7232497" y="2824303"/>
+            <a:ext cx="1793371" cy="277000"/>
+            <a:chOff x="1282045" y="5188612"/>
+            <a:chExt cx="1793371" cy="277000"/>
+          </a:xfrm>
+        </p:grpSpPr>
+        <p:sp>
+          <p:nvSpPr>
+            <p:cNvPr id="86" name="文本框 85">
+              <a:extLst>
+                <a:ext uri="{FF2B5EF4-FFF2-40B4-BE49-F238E27FC236}">
+                  <a16:creationId xmlns:a16="http://schemas.microsoft.com/office/drawing/2014/main" id="{483553A0-5719-4046-9302-B58C6FB45D38}"/>
+                </a:ext>
+              </a:extLst>
+            </p:cNvPr>
+            <p:cNvSpPr txBox="1"/>
+            <p:nvPr/>
+          </p:nvSpPr>
+          <p:spPr>
+            <a:xfrm>
+              <a:off x="1282045" y="5188613"/>
+              <a:ext cx="1286279" cy="276999"/>
+            </a:xfrm>
+            <a:prstGeom prst="rect">
+              <a:avLst/>
+            </a:prstGeom>
+            <a:solidFill>
+              <a:schemeClr val="accent2"/>
+            </a:solidFill>
+          </p:spPr>
+          <p:txBody>
+            <a:bodyPr wrap="square" rtlCol="0">
+              <a:spAutoFit/>
+            </a:bodyPr>
+            <a:lstStyle>
+              <a:defPPr>
+                <a:defRPr lang="zh-CN"/>
+              </a:defPPr>
+              <a:lvl1pPr marR="0" lvl="0" indent="0" eaLnBrk="0" fontAlgn="base" hangingPunct="0">
+                <a:lnSpc>
+                  <a:spcPct val="100000"/>
+                </a:lnSpc>
+                <a:spcBef>
+                  <a:spcPct val="0"/>
+                </a:spcBef>
+                <a:spcAft>
+                  <a:spcPct val="0"/>
+                </a:spcAft>
+                <a:buClrTx/>
+                <a:buSzTx/>
+                <a:buFontTx/>
+                <a:buNone/>
+                <a:tabLst/>
+                <a:defRPr kumimoji="0" sz="1200" b="0" i="0" u="none" strike="noStrike" cap="none" normalizeH="0" baseline="0">
+                  <a:ln>
+                    <a:noFill/>
+                  </a:ln>
+                  <a:effectLst/>
+                  <a:latin typeface="Microsoft YaHei Light" panose="020B0502040204020203" pitchFamily="34" charset="-122"/>
+                  <a:ea typeface="Microsoft YaHei Light" panose="020B0502040204020203" pitchFamily="34" charset="-122"/>
+                </a:defRPr>
+              </a:lvl1pPr>
+            </a:lstStyle>
+            <a:p>
+              <a:r>
+                <a:rPr lang="en-US" altLang="zh-CN" dirty="0" err="1"/>
+                <a:t>TimeoutFilter</a:t>
+              </a:r>
+              <a:endParaRPr kumimoji="0" lang="zh-CN" altLang="zh-CN" sz="1600" b="0" i="0" u="none" strike="noStrike" cap="none" normalizeH="0" baseline="0" dirty="0">
+                <a:ln>
+                  <a:noFill/>
+                </a:ln>
+                <a:solidFill>
+                  <a:schemeClr val="tx1"/>
+                </a:solidFill>
+                <a:effectLst/>
+                <a:latin typeface="Arial" panose="020B0604020202020204" pitchFamily="34" charset="0"/>
+              </a:endParaRPr>
+            </a:p>
+          </p:txBody>
+        </p:sp>
+        <p:sp>
+          <p:nvSpPr>
+            <p:cNvPr id="88" name="文本框 87">
+              <a:extLst>
+                <a:ext uri="{FF2B5EF4-FFF2-40B4-BE49-F238E27FC236}">
+                  <a16:creationId xmlns:a16="http://schemas.microsoft.com/office/drawing/2014/main" id="{5AAA6B7E-76ED-4C5D-B30B-6354AEB03AF0}"/>
+                </a:ext>
+              </a:extLst>
+            </p:cNvPr>
+            <p:cNvSpPr txBox="1"/>
+            <p:nvPr/>
+          </p:nvSpPr>
+          <p:spPr>
+            <a:xfrm>
+              <a:off x="2818614" y="5188612"/>
+              <a:ext cx="256802" cy="276999"/>
+            </a:xfrm>
+            <a:prstGeom prst="rect">
+              <a:avLst/>
+            </a:prstGeom>
+            <a:noFill/>
+          </p:spPr>
+          <p:txBody>
+            <a:bodyPr wrap="none" rtlCol="0">
+              <a:spAutoFit/>
+            </a:bodyPr>
+            <a:lstStyle/>
+            <a:p>
+              <a:r>
+                <a:rPr kumimoji="0" lang="en-US" altLang="zh-CN" sz="1200" b="0" i="0" u="none" strike="noStrike" cap="none" normalizeH="0" baseline="0" dirty="0">
+                  <a:ln>
+                    <a:noFill/>
+                  </a:ln>
+                  <a:effectLst/>
+                  <a:latin typeface="Microsoft YaHei Light" panose="020B0502040204020203" pitchFamily="34" charset="-122"/>
+                  <a:ea typeface="Microsoft YaHei Light" panose="020B0502040204020203" pitchFamily="34" charset="-122"/>
+                </a:rPr>
+                <a:t>?</a:t>
+              </a:r>
+              <a:endParaRPr lang="zh-CN" altLang="en-US" sz="1200" dirty="0">
+                <a:latin typeface="Microsoft YaHei Light" panose="020B0502040204020203" pitchFamily="34" charset="-122"/>
+                <a:ea typeface="Microsoft YaHei Light" panose="020B0502040204020203" pitchFamily="34" charset="-122"/>
+              </a:endParaRPr>
+            </a:p>
+          </p:txBody>
+        </p:sp>
+      </p:grpSp>
+      <p:sp>
+        <p:nvSpPr>
+          <p:cNvPr id="5" name="Rectangle 2">
+            <a:extLst>
+              <a:ext uri="{FF2B5EF4-FFF2-40B4-BE49-F238E27FC236}">
+                <a16:creationId xmlns:a16="http://schemas.microsoft.com/office/drawing/2014/main" id="{E4834B8D-1092-4EB8-9F47-5AFCD9B382F7}"/>
+              </a:ext>
+            </a:extLst>
+          </p:cNvPr>
+          <p:cNvSpPr>
+            <a:spLocks noChangeArrowheads="1"/>
+          </p:cNvSpPr>
+          <p:nvPr/>
+        </p:nvSpPr>
+        <p:spPr bwMode="auto">
+          <a:xfrm>
+            <a:off x="0" y="0"/>
+            <a:ext cx="12192000" cy="457200"/>
+          </a:xfrm>
+          <a:prstGeom prst="rect">
+            <a:avLst/>
+          </a:prstGeom>
+          <a:solidFill>
+            <a:srgbClr val="2B2B2B"/>
+          </a:solidFill>
+          <a:ln>
+            <a:noFill/>
+          </a:ln>
+          <a:effectLst/>
+          <a:extLst>
+            <a:ext uri="{91240B29-F687-4F45-9708-019B960494DF}">
+              <a14:hiddenLine xmlns:a14="http://schemas.microsoft.com/office/drawing/2010/main" w="9525">
+                <a:solidFill>
+                  <a:schemeClr val="tx1"/>
+                </a:solidFill>
+                <a:miter lim="800000"/>
+                <a:headEnd/>
+                <a:tailEnd/>
+              </a14:hiddenLine>
+            </a:ext>
+            <a:ext uri="{AF507438-7753-43E0-B8FC-AC1667EBCBE1}">
+              <a14:hiddenEffects xmlns:a14="http://schemas.microsoft.com/office/drawing/2010/main">
+                <a:effectLst>
+                  <a:outerShdw dist="35921" dir="2700000" algn="ctr" rotWithShape="0">
+                    <a:schemeClr val="bg2"/>
+                  </a:outerShdw>
+                </a:effectLst>
+              </a14:hiddenEffects>
+            </a:ext>
+          </a:extLst>
+        </p:spPr>
+        <p:txBody>
+          <a:bodyPr vert="horz" wrap="none" lIns="91440" tIns="45720" rIns="91440" bIns="45720" numCol="1" anchor="ctr" anchorCtr="0" compatLnSpc="1">
+            <a:prstTxWarp prst="textNoShape">
+              <a:avLst/>
+            </a:prstTxWarp>
+            <a:spAutoFit/>
+          </a:bodyPr>
+          <a:lstStyle/>
+          <a:p>
+            <a:pPr marL="0" marR="0" lvl="0" indent="0" algn="l" defTabSz="914400" rtl="0" eaLnBrk="0" fontAlgn="base" latinLnBrk="0" hangingPunct="0">
+              <a:lnSpc>
+                <a:spcPct val="100000"/>
+              </a:lnSpc>
+              <a:spcBef>
+                <a:spcPct val="0"/>
+              </a:spcBef>
+              <a:spcAft>
+                <a:spcPct val="0"/>
+              </a:spcAft>
+              <a:buClrTx/>
+              <a:buSzTx/>
+              <a:buFontTx/>
+              <a:buNone/>
+              <a:tabLst/>
+            </a:pPr>
+            <a:r>
+              <a:rPr kumimoji="0" lang="zh-CN" altLang="zh-CN" sz="1300" b="0" i="0" u="none" strike="noStrike" cap="none" normalizeH="0" baseline="0" dirty="0">
+                <a:ln>
+                  <a:noFill/>
+                </a:ln>
+                <a:solidFill>
+                  <a:srgbClr val="A9B7C6"/>
+                </a:solidFill>
+                <a:effectLst/>
+                <a:latin typeface="Consolas" panose="020B0609020204030204" pitchFamily="49" charset="0"/>
+              </a:rPr>
+              <a:t>StackServer</a:t>
+            </a:r>
+            <a:endParaRPr kumimoji="0" lang="zh-CN" altLang="zh-CN" sz="1800" b="0" i="0" u="none" strike="noStrike" cap="none" normalizeH="0" baseline="0" dirty="0">
+              <a:ln>
+                <a:noFill/>
+              </a:ln>
+              <a:solidFill>
+                <a:schemeClr val="tx1"/>
+              </a:solidFill>
+              <a:effectLst/>
+              <a:latin typeface="Arial" panose="020B0604020202020204" pitchFamily="34" charset="0"/>
+            </a:endParaRPr>
+          </a:p>
+        </p:txBody>
+      </p:sp>
+      <p:grpSp>
+        <p:nvGrpSpPr>
+          <p:cNvPr id="78" name="组合 77">
+            <a:extLst>
+              <a:ext uri="{FF2B5EF4-FFF2-40B4-BE49-F238E27FC236}">
+                <a16:creationId xmlns:a16="http://schemas.microsoft.com/office/drawing/2014/main" id="{D5A70B35-418A-4715-9851-3F7F6240B3B7}"/>
+              </a:ext>
+            </a:extLst>
+          </p:cNvPr>
+          <p:cNvGrpSpPr/>
+          <p:nvPr/>
+        </p:nvGrpSpPr>
+        <p:grpSpPr>
+          <a:xfrm>
+            <a:off x="1731473" y="4750521"/>
+            <a:ext cx="1859946" cy="276999"/>
+            <a:chOff x="1282045" y="5188613"/>
+            <a:chExt cx="1989336" cy="276999"/>
+          </a:xfrm>
+        </p:grpSpPr>
+        <p:sp>
+          <p:nvSpPr>
+            <p:cNvPr id="81" name="文本框 80">
+              <a:extLst>
+                <a:ext uri="{FF2B5EF4-FFF2-40B4-BE49-F238E27FC236}">
+                  <a16:creationId xmlns:a16="http://schemas.microsoft.com/office/drawing/2014/main" id="{2383B388-F613-46EF-ABDE-71F3F4CE2CF7}"/>
+                </a:ext>
+              </a:extLst>
+            </p:cNvPr>
+            <p:cNvSpPr txBox="1"/>
+            <p:nvPr/>
+          </p:nvSpPr>
+          <p:spPr>
+            <a:xfrm>
+              <a:off x="1282045" y="5188613"/>
+              <a:ext cx="1668305" cy="246221"/>
+            </a:xfrm>
+            <a:prstGeom prst="rect">
+              <a:avLst/>
+            </a:prstGeom>
+            <a:solidFill>
+              <a:srgbClr val="FFC000"/>
+            </a:solidFill>
+          </p:spPr>
+          <p:txBody>
+            <a:bodyPr wrap="square" rtlCol="0">
+              <a:spAutoFit/>
+            </a:bodyPr>
+            <a:lstStyle>
+              <a:defPPr>
+                <a:defRPr lang="zh-CN"/>
+              </a:defPPr>
+              <a:lvl1pPr>
+                <a:defRPr kumimoji="0" sz="1200" b="0" i="0" u="none" strike="noStrike" cap="none" normalizeH="0" baseline="0">
+                  <a:ln>
+                    <a:noFill/>
+                  </a:ln>
+                  <a:effectLst/>
+                  <a:latin typeface="Microsoft YaHei Light" panose="020B0502040204020203" pitchFamily="34" charset="-122"/>
+                  <a:ea typeface="Microsoft YaHei Light" panose="020B0502040204020203" pitchFamily="34" charset="-122"/>
+                </a:defRPr>
+              </a:lvl1pPr>
+            </a:lstStyle>
+            <a:p>
+              <a:pPr eaLnBrk="0" fontAlgn="base" hangingPunct="0">
+                <a:spcBef>
+                  <a:spcPct val="0"/>
+                </a:spcBef>
+                <a:spcAft>
+                  <a:spcPct val="0"/>
+                </a:spcAft>
+              </a:pPr>
+              <a:r>
+                <a:rPr lang="en-US" altLang="zh-CN" sz="1000" dirty="0" err="1"/>
+                <a:t>StatsFilter</a:t>
+              </a:r>
+              <a:endParaRPr kumimoji="0" lang="zh-CN" altLang="zh-CN" sz="800" b="0" i="0" u="none" strike="noStrike" cap="none" normalizeH="0" baseline="0" dirty="0">
+                <a:ln>
+                  <a:noFill/>
+                </a:ln>
+                <a:solidFill>
+                  <a:schemeClr val="tx1"/>
+                </a:solidFill>
+                <a:effectLst/>
+                <a:latin typeface="Arial" panose="020B0604020202020204" pitchFamily="34" charset="0"/>
+              </a:endParaRPr>
+            </a:p>
+          </p:txBody>
+        </p:sp>
+        <p:sp>
+          <p:nvSpPr>
+            <p:cNvPr id="87" name="文本框 86">
+              <a:extLst>
+                <a:ext uri="{FF2B5EF4-FFF2-40B4-BE49-F238E27FC236}">
+                  <a16:creationId xmlns:a16="http://schemas.microsoft.com/office/drawing/2014/main" id="{509CA585-5C94-4C98-9A81-DB51254EF4C3}"/>
+                </a:ext>
+              </a:extLst>
+            </p:cNvPr>
+            <p:cNvSpPr txBox="1"/>
+            <p:nvPr/>
+          </p:nvSpPr>
+          <p:spPr>
+            <a:xfrm>
+              <a:off x="2996714" y="5188613"/>
+              <a:ext cx="274667" cy="276999"/>
+            </a:xfrm>
+            <a:prstGeom prst="rect">
+              <a:avLst/>
+            </a:prstGeom>
+            <a:noFill/>
+          </p:spPr>
+          <p:txBody>
+            <a:bodyPr wrap="none" rtlCol="0">
+              <a:spAutoFit/>
+            </a:bodyPr>
+            <a:lstStyle/>
+            <a:p>
+              <a:r>
+                <a:rPr lang="en-US" altLang="zh-CN" sz="1200" dirty="0">
+                  <a:latin typeface="Microsoft YaHei Light" panose="020B0502040204020203" pitchFamily="34" charset="-122"/>
+                  <a:ea typeface="Microsoft YaHei Light" panose="020B0502040204020203" pitchFamily="34" charset="-122"/>
+                </a:rPr>
+                <a:t>?</a:t>
+              </a:r>
+              <a:endParaRPr lang="zh-CN" altLang="zh-CN" sz="1200" dirty="0">
+                <a:latin typeface="Microsoft YaHei Light" panose="020B0502040204020203" pitchFamily="34" charset="-122"/>
+                <a:ea typeface="Microsoft YaHei Light" panose="020B0502040204020203" pitchFamily="34" charset="-122"/>
+              </a:endParaRPr>
+            </a:p>
+          </p:txBody>
+        </p:sp>
+      </p:grpSp>
+      <p:grpSp>
+        <p:nvGrpSpPr>
+          <p:cNvPr id="90" name="组合 89">
+            <a:extLst>
+              <a:ext uri="{FF2B5EF4-FFF2-40B4-BE49-F238E27FC236}">
+                <a16:creationId xmlns:a16="http://schemas.microsoft.com/office/drawing/2014/main" id="{062F8D19-74D8-4B10-BF6F-D90480F7F4F3}"/>
+              </a:ext>
+            </a:extLst>
+          </p:cNvPr>
+          <p:cNvGrpSpPr/>
+          <p:nvPr/>
+        </p:nvGrpSpPr>
+        <p:grpSpPr>
+          <a:xfrm>
+            <a:off x="1671738" y="5101245"/>
+            <a:ext cx="2143622" cy="276999"/>
+            <a:chOff x="1282044" y="5188613"/>
+            <a:chExt cx="1989337" cy="276999"/>
+          </a:xfrm>
+        </p:grpSpPr>
+        <p:sp>
+          <p:nvSpPr>
+            <p:cNvPr id="91" name="文本框 90">
+              <a:extLst>
+                <a:ext uri="{FF2B5EF4-FFF2-40B4-BE49-F238E27FC236}">
+                  <a16:creationId xmlns:a16="http://schemas.microsoft.com/office/drawing/2014/main" id="{1C650FCA-078B-4269-B76F-25D2EA86299A}"/>
+                </a:ext>
+              </a:extLst>
+            </p:cNvPr>
+            <p:cNvSpPr txBox="1"/>
+            <p:nvPr/>
+          </p:nvSpPr>
+          <p:spPr>
+            <a:xfrm>
+              <a:off x="1282044" y="5188613"/>
+              <a:ext cx="1810630" cy="246221"/>
+            </a:xfrm>
+            <a:prstGeom prst="rect">
+              <a:avLst/>
+            </a:prstGeom>
+            <a:solidFill>
+              <a:srgbClr val="FFC000"/>
+            </a:solidFill>
+          </p:spPr>
+          <p:txBody>
+            <a:bodyPr wrap="square" rtlCol="0">
+              <a:spAutoFit/>
+            </a:bodyPr>
+            <a:lstStyle>
+              <a:defPPr>
+                <a:defRPr lang="zh-CN"/>
+              </a:defPPr>
+              <a:lvl1pPr>
+                <a:defRPr kumimoji="0" sz="1200" b="0" i="0" u="none" strike="noStrike" cap="none" normalizeH="0" baseline="0">
+                  <a:ln>
+                    <a:noFill/>
+                  </a:ln>
+                  <a:effectLst/>
+                  <a:latin typeface="Microsoft YaHei Light" panose="020B0502040204020203" pitchFamily="34" charset="-122"/>
+                  <a:ea typeface="Microsoft YaHei Light" panose="020B0502040204020203" pitchFamily="34" charset="-122"/>
+                </a:defRPr>
+              </a:lvl1pPr>
+            </a:lstStyle>
+            <a:p>
+              <a:pPr eaLnBrk="0" fontAlgn="base" hangingPunct="0">
+                <a:spcBef>
+                  <a:spcPct val="0"/>
+                </a:spcBef>
+                <a:spcAft>
+                  <a:spcPct val="0"/>
+                </a:spcAft>
+              </a:pPr>
+              <a:r>
+                <a:rPr lang="en-US" altLang="zh-CN" sz="1000" dirty="0" err="1"/>
+                <a:t>ConcurrentRequestFilter</a:t>
+              </a:r>
+              <a:endParaRPr kumimoji="0" lang="zh-CN" altLang="zh-CN" sz="1000" b="0" i="0" u="none" strike="noStrike" cap="none" normalizeH="0" baseline="0" dirty="0">
+                <a:ln>
+                  <a:noFill/>
+                </a:ln>
+                <a:solidFill>
+                  <a:schemeClr val="tx1"/>
+                </a:solidFill>
+                <a:effectLst/>
+                <a:latin typeface="Arial" panose="020B0604020202020204" pitchFamily="34" charset="0"/>
+              </a:endParaRPr>
+            </a:p>
+          </p:txBody>
+        </p:sp>
+        <p:sp>
+          <p:nvSpPr>
+            <p:cNvPr id="92" name="文本框 91">
+              <a:extLst>
+                <a:ext uri="{FF2B5EF4-FFF2-40B4-BE49-F238E27FC236}">
+                  <a16:creationId xmlns:a16="http://schemas.microsoft.com/office/drawing/2014/main" id="{B5A4C929-9CBA-42CD-8EF9-9E69A08B5D7F}"/>
+                </a:ext>
+              </a:extLst>
+            </p:cNvPr>
+            <p:cNvSpPr txBox="1"/>
+            <p:nvPr/>
+          </p:nvSpPr>
+          <p:spPr>
+            <a:xfrm>
+              <a:off x="2996714" y="5188613"/>
+              <a:ext cx="274667" cy="276999"/>
+            </a:xfrm>
+            <a:prstGeom prst="rect">
+              <a:avLst/>
+            </a:prstGeom>
+            <a:noFill/>
+          </p:spPr>
+          <p:txBody>
+            <a:bodyPr wrap="none" rtlCol="0">
+              <a:spAutoFit/>
+            </a:bodyPr>
+            <a:lstStyle/>
+            <a:p>
+              <a:r>
+                <a:rPr lang="en-US" altLang="zh-CN" sz="1200" dirty="0">
+                  <a:latin typeface="Microsoft YaHei Light" panose="020B0502040204020203" pitchFamily="34" charset="-122"/>
+                  <a:ea typeface="Microsoft YaHei Light" panose="020B0502040204020203" pitchFamily="34" charset="-122"/>
+                </a:rPr>
+                <a:t>?</a:t>
+              </a:r>
+              <a:endParaRPr lang="zh-CN" altLang="zh-CN" sz="1200" dirty="0">
+                <a:latin typeface="Microsoft YaHei Light" panose="020B0502040204020203" pitchFamily="34" charset="-122"/>
+                <a:ea typeface="Microsoft YaHei Light" panose="020B0502040204020203" pitchFamily="34" charset="-122"/>
+              </a:endParaRPr>
+            </a:p>
+          </p:txBody>
+        </p:sp>
+      </p:grpSp>
+      <p:grpSp>
+        <p:nvGrpSpPr>
+          <p:cNvPr id="94" name="组合 93">
+            <a:extLst>
+              <a:ext uri="{FF2B5EF4-FFF2-40B4-BE49-F238E27FC236}">
+                <a16:creationId xmlns:a16="http://schemas.microsoft.com/office/drawing/2014/main" id="{A21BAEA6-A0D9-4651-9A52-7B88155080A4}"/>
+              </a:ext>
+            </a:extLst>
+          </p:cNvPr>
+          <p:cNvGrpSpPr/>
+          <p:nvPr/>
+        </p:nvGrpSpPr>
+        <p:grpSpPr>
+          <a:xfrm>
+            <a:off x="1754666" y="5399877"/>
+            <a:ext cx="1859946" cy="276999"/>
+            <a:chOff x="1282045" y="5188613"/>
+            <a:chExt cx="1989336" cy="276999"/>
+          </a:xfrm>
+        </p:grpSpPr>
+        <p:sp>
+          <p:nvSpPr>
+            <p:cNvPr id="97" name="文本框 96">
+              <a:extLst>
+                <a:ext uri="{FF2B5EF4-FFF2-40B4-BE49-F238E27FC236}">
+                  <a16:creationId xmlns:a16="http://schemas.microsoft.com/office/drawing/2014/main" id="{435AC9A8-A0CA-4CE4-A877-A430B3B559C0}"/>
+                </a:ext>
+              </a:extLst>
+            </p:cNvPr>
+            <p:cNvSpPr txBox="1"/>
+            <p:nvPr/>
+          </p:nvSpPr>
+          <p:spPr>
+            <a:xfrm>
+              <a:off x="1282045" y="5188613"/>
+              <a:ext cx="1912297" cy="246221"/>
+            </a:xfrm>
+            <a:prstGeom prst="rect">
+              <a:avLst/>
+            </a:prstGeom>
+            <a:solidFill>
+              <a:srgbClr val="FFC000"/>
+            </a:solidFill>
+          </p:spPr>
+          <p:txBody>
+            <a:bodyPr wrap="square" rtlCol="0">
+              <a:spAutoFit/>
+            </a:bodyPr>
+            <a:lstStyle>
+              <a:defPPr>
+                <a:defRPr lang="zh-CN"/>
+              </a:defPPr>
+              <a:lvl1pPr>
+                <a:defRPr kumimoji="0" sz="1200" b="0" i="0" u="none" strike="noStrike" cap="none" normalizeH="0" baseline="0">
+                  <a:ln>
+                    <a:noFill/>
+                  </a:ln>
+                  <a:effectLst/>
+                  <a:latin typeface="Microsoft YaHei Light" panose="020B0502040204020203" pitchFamily="34" charset="-122"/>
+                  <a:ea typeface="Microsoft YaHei Light" panose="020B0502040204020203" pitchFamily="34" charset="-122"/>
+                </a:defRPr>
+              </a:lvl1pPr>
+            </a:lstStyle>
+            <a:p>
+              <a:pPr eaLnBrk="0" fontAlgn="base" hangingPunct="0">
+                <a:spcBef>
+                  <a:spcPct val="0"/>
+                </a:spcBef>
+                <a:spcAft>
+                  <a:spcPct val="0"/>
+                </a:spcAft>
+              </a:pPr>
+              <a:r>
+                <a:rPr lang="en-US" altLang="zh-CN" sz="1000" dirty="0" err="1"/>
+                <a:t>ServerAdmissionControl</a:t>
+              </a:r>
+              <a:endParaRPr lang="zh-CN" altLang="zh-CN" sz="1000" dirty="0"/>
+            </a:p>
+          </p:txBody>
+        </p:sp>
+        <p:sp>
+          <p:nvSpPr>
+            <p:cNvPr id="98" name="文本框 97">
+              <a:extLst>
+                <a:ext uri="{FF2B5EF4-FFF2-40B4-BE49-F238E27FC236}">
+                  <a16:creationId xmlns:a16="http://schemas.microsoft.com/office/drawing/2014/main" id="{C367C54E-7242-4D2E-ADE6-7948329E672F}"/>
+                </a:ext>
+              </a:extLst>
+            </p:cNvPr>
+            <p:cNvSpPr txBox="1"/>
+            <p:nvPr/>
+          </p:nvSpPr>
+          <p:spPr>
+            <a:xfrm>
+              <a:off x="2996714" y="5188613"/>
+              <a:ext cx="274667" cy="276999"/>
+            </a:xfrm>
+            <a:prstGeom prst="rect">
+              <a:avLst/>
+            </a:prstGeom>
+            <a:noFill/>
+          </p:spPr>
+          <p:txBody>
+            <a:bodyPr wrap="none" rtlCol="0">
+              <a:spAutoFit/>
+            </a:bodyPr>
+            <a:lstStyle/>
+            <a:p>
+              <a:r>
+                <a:rPr lang="en-US" altLang="zh-CN" sz="1200" dirty="0">
+                  <a:latin typeface="Microsoft YaHei Light" panose="020B0502040204020203" pitchFamily="34" charset="-122"/>
+                  <a:ea typeface="Microsoft YaHei Light" panose="020B0502040204020203" pitchFamily="34" charset="-122"/>
+                </a:rPr>
+                <a:t>?</a:t>
+              </a:r>
+              <a:endParaRPr lang="zh-CN" altLang="zh-CN" sz="1200" dirty="0">
+                <a:latin typeface="Microsoft YaHei Light" panose="020B0502040204020203" pitchFamily="34" charset="-122"/>
+                <a:ea typeface="Microsoft YaHei Light" panose="020B0502040204020203" pitchFamily="34" charset="-122"/>
+              </a:endParaRPr>
+            </a:p>
+          </p:txBody>
+        </p:sp>
+      </p:grpSp>
+      <p:grpSp>
+        <p:nvGrpSpPr>
+          <p:cNvPr id="99" name="组合 98">
+            <a:extLst>
+              <a:ext uri="{FF2B5EF4-FFF2-40B4-BE49-F238E27FC236}">
+                <a16:creationId xmlns:a16="http://schemas.microsoft.com/office/drawing/2014/main" id="{52AA0E23-5B8F-4263-ADDF-E514E2A23E40}"/>
+              </a:ext>
+            </a:extLst>
+          </p:cNvPr>
+          <p:cNvGrpSpPr/>
+          <p:nvPr/>
+        </p:nvGrpSpPr>
+        <p:grpSpPr>
+          <a:xfrm>
+            <a:off x="1694931" y="5750601"/>
+            <a:ext cx="2143622" cy="276999"/>
+            <a:chOff x="1282044" y="5188613"/>
+            <a:chExt cx="1989337" cy="276999"/>
+          </a:xfrm>
+        </p:grpSpPr>
+        <p:sp>
+          <p:nvSpPr>
+            <p:cNvPr id="100" name="文本框 99">
+              <a:extLst>
+                <a:ext uri="{FF2B5EF4-FFF2-40B4-BE49-F238E27FC236}">
+                  <a16:creationId xmlns:a16="http://schemas.microsoft.com/office/drawing/2014/main" id="{3C5E8611-5AE2-4E39-86EB-A55C3743A60D}"/>
+                </a:ext>
+              </a:extLst>
+            </p:cNvPr>
+            <p:cNvSpPr txBox="1"/>
+            <p:nvPr/>
+          </p:nvSpPr>
+          <p:spPr>
+            <a:xfrm>
+              <a:off x="1282044" y="5188613"/>
+              <a:ext cx="1810630" cy="246221"/>
+            </a:xfrm>
+            <a:prstGeom prst="rect">
+              <a:avLst/>
+            </a:prstGeom>
+            <a:solidFill>
+              <a:srgbClr val="FFC000"/>
+            </a:solidFill>
+          </p:spPr>
+          <p:txBody>
+            <a:bodyPr wrap="square" rtlCol="0">
+              <a:spAutoFit/>
+            </a:bodyPr>
+            <a:lstStyle>
+              <a:defPPr>
+                <a:defRPr lang="zh-CN"/>
+              </a:defPPr>
+              <a:lvl1pPr>
+                <a:defRPr kumimoji="0" sz="1200" b="0" i="0" u="none" strike="noStrike" cap="none" normalizeH="0" baseline="0">
+                  <a:ln>
+                    <a:noFill/>
+                  </a:ln>
+                  <a:effectLst/>
+                  <a:latin typeface="Microsoft YaHei Light" panose="020B0502040204020203" pitchFamily="34" charset="-122"/>
+                  <a:ea typeface="Microsoft YaHei Light" panose="020B0502040204020203" pitchFamily="34" charset="-122"/>
+                </a:defRPr>
+              </a:lvl1pPr>
+            </a:lstStyle>
+            <a:p>
+              <a:pPr eaLnBrk="0" fontAlgn="base" hangingPunct="0">
+                <a:spcBef>
+                  <a:spcPct val="0"/>
+                </a:spcBef>
+                <a:spcAft>
+                  <a:spcPct val="0"/>
+                </a:spcAft>
+              </a:pPr>
+              <a:r>
+                <a:rPr lang="en-US" altLang="zh-CN" sz="1000"/>
+                <a:t>DtabStatsFilter</a:t>
+              </a:r>
+              <a:endParaRPr kumimoji="0" lang="zh-CN" altLang="zh-CN" sz="800" b="0" i="0" u="none" strike="noStrike" cap="none" normalizeH="0" baseline="0">
+                <a:ln>
+                  <a:noFill/>
+                </a:ln>
+                <a:solidFill>
+                  <a:schemeClr val="tx1"/>
+                </a:solidFill>
+                <a:effectLst/>
+                <a:latin typeface="Arial" panose="020B0604020202020204" pitchFamily="34" charset="0"/>
+              </a:endParaRPr>
+            </a:p>
+          </p:txBody>
+        </p:sp>
+        <p:sp>
+          <p:nvSpPr>
+            <p:cNvPr id="101" name="文本框 100">
+              <a:extLst>
+                <a:ext uri="{FF2B5EF4-FFF2-40B4-BE49-F238E27FC236}">
+                  <a16:creationId xmlns:a16="http://schemas.microsoft.com/office/drawing/2014/main" id="{1069B67F-72C6-4C7E-A884-C03B35010CA7}"/>
+                </a:ext>
+              </a:extLst>
+            </p:cNvPr>
+            <p:cNvSpPr txBox="1"/>
+            <p:nvPr/>
+          </p:nvSpPr>
+          <p:spPr>
+            <a:xfrm>
+              <a:off x="2996714" y="5188613"/>
+              <a:ext cx="274667" cy="276999"/>
+            </a:xfrm>
+            <a:prstGeom prst="rect">
+              <a:avLst/>
+            </a:prstGeom>
+            <a:noFill/>
+          </p:spPr>
+          <p:txBody>
+            <a:bodyPr wrap="none" rtlCol="0">
+              <a:spAutoFit/>
+            </a:bodyPr>
+            <a:lstStyle/>
+            <a:p>
+              <a:r>
+                <a:rPr lang="en-US" altLang="zh-CN" sz="1200" dirty="0">
+                  <a:latin typeface="Microsoft YaHei Light" panose="020B0502040204020203" pitchFamily="34" charset="-122"/>
+                  <a:ea typeface="Microsoft YaHei Light" panose="020B0502040204020203" pitchFamily="34" charset="-122"/>
+                </a:rPr>
+                <a:t>?</a:t>
+              </a:r>
+              <a:endParaRPr lang="zh-CN" altLang="zh-CN" sz="1200" dirty="0">
+                <a:latin typeface="Microsoft YaHei Light" panose="020B0502040204020203" pitchFamily="34" charset="-122"/>
+                <a:ea typeface="Microsoft YaHei Light" panose="020B0502040204020203" pitchFamily="34" charset="-122"/>
+              </a:endParaRPr>
+            </a:p>
+          </p:txBody>
+        </p:sp>
+      </p:grpSp>
+    </p:spTree>
+    <p:extLst>
+      <p:ext uri="{BB962C8B-B14F-4D97-AF65-F5344CB8AC3E}">
+        <p14:creationId xmlns:p14="http://schemas.microsoft.com/office/powerpoint/2010/main" val="1645551293"/>
+      </p:ext>
+    </p:extLst>
+  </p:cSld>
+  <p:clrMapOvr>
+    <a:masterClrMapping/>
+  </p:clrMapOvr>
+</p:sld>
+</file>
+
+<file path=ppt/slides/slide4.xml><?xml version="1.0" encoding="utf-8"?>
+<p:sld xmlns:a="http://schemas.openxmlformats.org/drawingml/2006/main" xmlns:r="http://schemas.openxmlformats.org/officeDocument/2006/relationships" xmlns:p="http://schemas.openxmlformats.org/presentationml/2006/main">
+  <p:cSld>
+    <p:spTree>
+      <p:nvGrpSpPr>
+        <p:cNvPr id="1" name=""/>
+        <p:cNvGrpSpPr/>
+        <p:nvPr/>
+      </p:nvGrpSpPr>
+      <p:grpSpPr>
+        <a:xfrm>
+          <a:off x="0" y="0"/>
+          <a:ext cx="0" cy="0"/>
+          <a:chOff x="0" y="0"/>
+          <a:chExt cx="0" cy="0"/>
+        </a:xfrm>
+      </p:grpSpPr>
+      <p:sp>
+        <p:nvSpPr>
+          <p:cNvPr id="5" name="Rectangle 2">
+            <a:extLst>
+              <a:ext uri="{FF2B5EF4-FFF2-40B4-BE49-F238E27FC236}">
+                <a16:creationId xmlns:a16="http://schemas.microsoft.com/office/drawing/2014/main" id="{F6B1B0A8-55D4-409A-B3B7-683B032858FA}"/>
+              </a:ext>
+            </a:extLst>
+          </p:cNvPr>
+          <p:cNvSpPr>
+            <a:spLocks noChangeArrowheads="1"/>
+          </p:cNvSpPr>
+          <p:nvPr/>
+        </p:nvSpPr>
+        <p:spPr bwMode="auto">
+          <a:xfrm>
+            <a:off x="0" y="82406"/>
+            <a:ext cx="824265" cy="292388"/>
+          </a:xfrm>
+          <a:prstGeom prst="rect">
+            <a:avLst/>
+          </a:prstGeom>
+          <a:solidFill>
+            <a:srgbClr val="2B2B2B"/>
+          </a:solidFill>
+          <a:ln>
+            <a:noFill/>
+          </a:ln>
+          <a:effectLst/>
+          <a:extLst>
+            <a:ext uri="{91240B29-F687-4F45-9708-019B960494DF}">
+              <a14:hiddenLine xmlns:a14="http://schemas.microsoft.com/office/drawing/2010/main" w="9525">
+                <a:solidFill>
+                  <a:schemeClr val="tx1"/>
+                </a:solidFill>
+                <a:miter lim="800000"/>
+                <a:headEnd/>
+                <a:tailEnd/>
+              </a14:hiddenLine>
+            </a:ext>
+            <a:ext uri="{AF507438-7753-43E0-B8FC-AC1667EBCBE1}">
+              <a14:hiddenEffects xmlns:a14="http://schemas.microsoft.com/office/drawing/2010/main">
+                <a:effectLst>
+                  <a:outerShdw dist="35921" dir="2700000" algn="ctr" rotWithShape="0">
+                    <a:schemeClr val="bg2"/>
+                  </a:outerShdw>
+                </a:effectLst>
+              </a14:hiddenEffects>
+            </a:ext>
+          </a:extLst>
+        </p:spPr>
+        <p:txBody>
+          <a:bodyPr vert="horz" wrap="none" lIns="91440" tIns="45720" rIns="91440" bIns="45720" numCol="1" anchor="ctr" anchorCtr="0" compatLnSpc="1">
+            <a:prstTxWarp prst="textNoShape">
+              <a:avLst/>
+            </a:prstTxWarp>
+            <a:spAutoFit/>
+          </a:bodyPr>
+          <a:lstStyle/>
+          <a:p>
+            <a:pPr marL="0" marR="0" lvl="0" indent="0" algn="l" defTabSz="914400" rtl="0" eaLnBrk="0" fontAlgn="base" latinLnBrk="0" hangingPunct="0">
+              <a:lnSpc>
+                <a:spcPct val="100000"/>
+              </a:lnSpc>
+              <a:spcBef>
+                <a:spcPct val="0"/>
+              </a:spcBef>
+              <a:spcAft>
+                <a:spcPct val="0"/>
+              </a:spcAft>
+              <a:buClrTx/>
+              <a:buSzTx/>
+              <a:buFontTx/>
+              <a:buNone/>
+              <a:tabLst/>
+            </a:pPr>
+            <a:r>
+              <a:rPr lang="en-US" altLang="zh-CN" sz="1300">
+                <a:solidFill>
+                  <a:srgbClr val="A9B7C6"/>
+                </a:solidFill>
+                <a:latin typeface="Consolas" panose="020B0609020204030204" pitchFamily="49" charset="0"/>
+              </a:rPr>
+              <a:t>Tracing</a:t>
+            </a:r>
+            <a:endParaRPr kumimoji="0" lang="zh-CN" altLang="zh-CN" sz="1800" b="0" i="0" u="none" strike="noStrike" cap="none" normalizeH="0" baseline="0" dirty="0">
+              <a:ln>
+                <a:noFill/>
+              </a:ln>
+              <a:solidFill>
+                <a:schemeClr val="tx1"/>
+              </a:solidFill>
+              <a:effectLst/>
+              <a:latin typeface="Arial" panose="020B0604020202020204" pitchFamily="34" charset="0"/>
+            </a:endParaRPr>
+          </a:p>
+        </p:txBody>
+      </p:sp>
+    </p:spTree>
+    <p:extLst>
+      <p:ext uri="{BB962C8B-B14F-4D97-AF65-F5344CB8AC3E}">
+        <p14:creationId xmlns:p14="http://schemas.microsoft.com/office/powerpoint/2010/main" val="2293435197"/>
       </p:ext>
     </p:extLst>
   </p:cSld>
